--- a/Progress Checks/ProjChk1.pptx
+++ b/Progress Checks/ProjChk1.pptx
@@ -130,6 +130,136 @@
 </p:presentation>
 </file>
 
+<file path=ppt/revisionInfo.xml><?xml version="1.0" encoding="utf-8"?>
+<p1510:revInfo xmlns:a="http://schemas.openxmlformats.org/drawingml/2006/main" xmlns:r="http://schemas.openxmlformats.org/officeDocument/2006/relationships" xmlns:p1510="http://schemas.microsoft.com/office/powerpoint/2015/10/main">
+  <p1510:revLst>
+    <p1510:client id="{A07A38EE-4DE1-497A-91F8-3090DA753EA1}" v="3" dt="2023-04-20T15:29:55.307"/>
+  </p1510:revLst>
+</p1510:revInfo>
+</file>
+
+<file path=ppt/changesInfos/changesInfo1.xml><?xml version="1.0" encoding="utf-8"?>
+<pc:chgInfo xmlns:a="http://schemas.openxmlformats.org/drawingml/2006/main" xmlns:r="http://schemas.openxmlformats.org/officeDocument/2006/relationships" xmlns:ac="http://schemas.microsoft.com/office/drawing/2013/main/command" xmlns:pc="http://schemas.microsoft.com/office/powerpoint/2013/main/command">
+  <pc:docChgLst>
+    <pc:chgData name="Boyang ( Bryan ) Zhao" userId="da72a6ca-e04c-4f93-b079-3b91c46c24f0" providerId="ADAL" clId="{A07A38EE-4DE1-497A-91F8-3090DA753EA1}"/>
+    <pc:docChg chg="undo custSel modSld">
+      <pc:chgData name="Boyang ( Bryan ) Zhao" userId="da72a6ca-e04c-4f93-b079-3b91c46c24f0" providerId="ADAL" clId="{A07A38EE-4DE1-497A-91F8-3090DA753EA1}" dt="2023-04-20T15:38:48.323" v="17" actId="9405"/>
+      <pc:docMkLst>
+        <pc:docMk/>
+      </pc:docMkLst>
+      <pc:sldChg chg="addSp modSp mod">
+        <pc:chgData name="Boyang ( Bryan ) Zhao" userId="da72a6ca-e04c-4f93-b079-3b91c46c24f0" providerId="ADAL" clId="{A07A38EE-4DE1-497A-91F8-3090DA753EA1}" dt="2023-04-20T15:29:55.303" v="6" actId="1076"/>
+        <pc:sldMkLst>
+          <pc:docMk/>
+          <pc:sldMk cId="1109332271" sldId="299"/>
+        </pc:sldMkLst>
+        <pc:picChg chg="add mod">
+          <ac:chgData name="Boyang ( Bryan ) Zhao" userId="da72a6ca-e04c-4f93-b079-3b91c46c24f0" providerId="ADAL" clId="{A07A38EE-4DE1-497A-91F8-3090DA753EA1}" dt="2023-04-20T15:29:51.572" v="5" actId="14100"/>
+          <ac:picMkLst>
+            <pc:docMk/>
+            <pc:sldMk cId="1109332271" sldId="299"/>
+            <ac:picMk id="2" creationId="{37ED0F7A-0F65-8A1B-987C-845684DD0BD2}"/>
+          </ac:picMkLst>
+        </pc:picChg>
+        <pc:picChg chg="add mod">
+          <ac:chgData name="Boyang ( Bryan ) Zhao" userId="da72a6ca-e04c-4f93-b079-3b91c46c24f0" providerId="ADAL" clId="{A07A38EE-4DE1-497A-91F8-3090DA753EA1}" dt="2023-04-20T15:29:55.303" v="6" actId="1076"/>
+          <ac:picMkLst>
+            <pc:docMk/>
+            <pc:sldMk cId="1109332271" sldId="299"/>
+            <ac:picMk id="3" creationId="{C4E77035-7A19-8FA4-08E2-21879488C505}"/>
+          </ac:picMkLst>
+        </pc:picChg>
+      </pc:sldChg>
+      <pc:sldChg chg="modSp mod">
+        <pc:chgData name="Boyang ( Bryan ) Zhao" userId="da72a6ca-e04c-4f93-b079-3b91c46c24f0" providerId="ADAL" clId="{A07A38EE-4DE1-497A-91F8-3090DA753EA1}" dt="2023-04-20T15:29:04.639" v="0" actId="20577"/>
+        <pc:sldMkLst>
+          <pc:docMk/>
+          <pc:sldMk cId="2960976296" sldId="303"/>
+        </pc:sldMkLst>
+        <pc:spChg chg="mod">
+          <ac:chgData name="Boyang ( Bryan ) Zhao" userId="da72a6ca-e04c-4f93-b079-3b91c46c24f0" providerId="ADAL" clId="{A07A38EE-4DE1-497A-91F8-3090DA753EA1}" dt="2023-04-20T15:29:04.639" v="0" actId="20577"/>
+          <ac:spMkLst>
+            <pc:docMk/>
+            <pc:sldMk cId="2960976296" sldId="303"/>
+            <ac:spMk id="5" creationId="{8D8FE1B0-9E5F-4C60-B1BF-E3D551EDCF6C}"/>
+          </ac:spMkLst>
+        </pc:spChg>
+      </pc:sldChg>
+      <pc:sldChg chg="addSp delSp mod">
+        <pc:chgData name="Boyang ( Bryan ) Zhao" userId="da72a6ca-e04c-4f93-b079-3b91c46c24f0" providerId="ADAL" clId="{A07A38EE-4DE1-497A-91F8-3090DA753EA1}" dt="2023-04-20T15:38:48.323" v="17" actId="9405"/>
+        <pc:sldMkLst>
+          <pc:docMk/>
+          <pc:sldMk cId="2349155333" sldId="305"/>
+        </pc:sldMkLst>
+        <pc:inkChg chg="add">
+          <ac:chgData name="Boyang ( Bryan ) Zhao" userId="da72a6ca-e04c-4f93-b079-3b91c46c24f0" providerId="ADAL" clId="{A07A38EE-4DE1-497A-91F8-3090DA753EA1}" dt="2023-04-20T15:37:40.826" v="9" actId="9405"/>
+          <ac:inkMkLst>
+            <pc:docMk/>
+            <pc:sldMk cId="2349155333" sldId="305"/>
+            <ac:inkMk id="3" creationId="{0836E9C2-D102-39B7-BD35-5915748B729B}"/>
+          </ac:inkMkLst>
+        </pc:inkChg>
+        <pc:inkChg chg="add">
+          <ac:chgData name="Boyang ( Bryan ) Zhao" userId="da72a6ca-e04c-4f93-b079-3b91c46c24f0" providerId="ADAL" clId="{A07A38EE-4DE1-497A-91F8-3090DA753EA1}" dt="2023-04-20T15:37:45.536" v="10" actId="9405"/>
+          <ac:inkMkLst>
+            <pc:docMk/>
+            <pc:sldMk cId="2349155333" sldId="305"/>
+            <ac:inkMk id="4" creationId="{A57B8651-CBC4-D286-CA9D-9C4BDA4ECA44}"/>
+          </ac:inkMkLst>
+        </pc:inkChg>
+        <pc:inkChg chg="add">
+          <ac:chgData name="Boyang ( Bryan ) Zhao" userId="da72a6ca-e04c-4f93-b079-3b91c46c24f0" providerId="ADAL" clId="{A07A38EE-4DE1-497A-91F8-3090DA753EA1}" dt="2023-04-20T15:37:59.905" v="11" actId="9405"/>
+          <ac:inkMkLst>
+            <pc:docMk/>
+            <pc:sldMk cId="2349155333" sldId="305"/>
+            <ac:inkMk id="6" creationId="{2A0C60E7-A057-78CA-E467-ED8ED1E46684}"/>
+          </ac:inkMkLst>
+        </pc:inkChg>
+        <pc:inkChg chg="add del">
+          <ac:chgData name="Boyang ( Bryan ) Zhao" userId="da72a6ca-e04c-4f93-b079-3b91c46c24f0" providerId="ADAL" clId="{A07A38EE-4DE1-497A-91F8-3090DA753EA1}" dt="2023-04-20T15:38:48.323" v="17" actId="9405"/>
+          <ac:inkMkLst>
+            <pc:docMk/>
+            <pc:sldMk cId="2349155333" sldId="305"/>
+            <ac:inkMk id="8" creationId="{49845F0C-EDF8-2ADA-8D7A-4CAD6750B828}"/>
+          </ac:inkMkLst>
+        </pc:inkChg>
+        <pc:inkChg chg="add del">
+          <ac:chgData name="Boyang ( Bryan ) Zhao" userId="da72a6ca-e04c-4f93-b079-3b91c46c24f0" providerId="ADAL" clId="{A07A38EE-4DE1-497A-91F8-3090DA753EA1}" dt="2023-04-20T15:38:47.896" v="16" actId="9405"/>
+          <ac:inkMkLst>
+            <pc:docMk/>
+            <pc:sldMk cId="2349155333" sldId="305"/>
+            <ac:inkMk id="9" creationId="{C9460D3A-7800-B481-AD15-AF20203A2321}"/>
+          </ac:inkMkLst>
+        </pc:inkChg>
+        <pc:inkChg chg="add del">
+          <ac:chgData name="Boyang ( Bryan ) Zhao" userId="da72a6ca-e04c-4f93-b079-3b91c46c24f0" providerId="ADAL" clId="{A07A38EE-4DE1-497A-91F8-3090DA753EA1}" dt="2023-04-20T15:38:47.325" v="15" actId="9405"/>
+          <ac:inkMkLst>
+            <pc:docMk/>
+            <pc:sldMk cId="2349155333" sldId="305"/>
+            <ac:inkMk id="10" creationId="{CCA1FCD2-42C6-1DE0-163B-848527E1E526}"/>
+          </ac:inkMkLst>
+        </pc:inkChg>
+      </pc:sldChg>
+      <pc:sldChg chg="modSp mod">
+        <pc:chgData name="Boyang ( Bryan ) Zhao" userId="da72a6ca-e04c-4f93-b079-3b91c46c24f0" providerId="ADAL" clId="{A07A38EE-4DE1-497A-91F8-3090DA753EA1}" dt="2023-04-20T15:31:36.938" v="8" actId="1036"/>
+        <pc:sldMkLst>
+          <pc:docMk/>
+          <pc:sldMk cId="3205452737" sldId="307"/>
+        </pc:sldMkLst>
+        <pc:spChg chg="mod">
+          <ac:chgData name="Boyang ( Bryan ) Zhao" userId="da72a6ca-e04c-4f93-b079-3b91c46c24f0" providerId="ADAL" clId="{A07A38EE-4DE1-497A-91F8-3090DA753EA1}" dt="2023-04-20T15:31:36.938" v="8" actId="1036"/>
+          <ac:spMkLst>
+            <pc:docMk/>
+            <pc:sldMk cId="3205452737" sldId="307"/>
+            <ac:spMk id="3" creationId="{9AEE75FA-39B2-4554-7F3A-B51EE914B433}"/>
+          </ac:spMkLst>
+        </pc:spChg>
+      </pc:sldChg>
+    </pc:docChg>
+  </pc:docChgLst>
+</pc:chgInfo>
+</file>
+
 <file path=ppt/handoutMasters/handoutMaster1.xml><?xml version="1.0" encoding="utf-8"?>
 <p:handoutMaster xmlns:a="http://schemas.openxmlformats.org/drawingml/2006/main" xmlns:r="http://schemas.openxmlformats.org/officeDocument/2006/relationships" xmlns:p="http://schemas.openxmlformats.org/presentationml/2006/main">
   <p:cSld>
@@ -317,6 +447,100 @@
   </p:cSld>
   <p:clrMap bg1="lt1" tx1="dk1" bg2="lt2" tx2="dk2" accent1="accent1" accent2="accent2" accent3="accent3" accent4="accent4" accent5="accent5" accent6="accent6" hlink="hlink" folHlink="folHlink"/>
 </p:handoutMaster>
+</file>
+
+<file path=ppt/ink/ink1.xml><?xml version="1.0" encoding="utf-8"?>
+<inkml:ink xmlns:inkml="http://www.w3.org/2003/InkML">
+  <inkml:definitions>
+    <inkml:context xml:id="ctx0">
+      <inkml:inkSource xml:id="inkSrc0">
+        <inkml:traceFormat>
+          <inkml:channel name="X" type="integer" min="-2.14748E9" max="2.14748E9" units="cm"/>
+          <inkml:channel name="Y" type="integer" min="-2.14748E9" max="2.14748E9" units="cm"/>
+        </inkml:traceFormat>
+        <inkml:channelProperties>
+          <inkml:channelProperty channel="X" name="resolution" value="1000" units="1/cm"/>
+          <inkml:channelProperty channel="Y" name="resolution" value="1000" units="1/cm"/>
+        </inkml:channelProperties>
+      </inkml:inkSource>
+      <inkml:timestamp xml:id="ts0" timeString="2023-04-20T15:37:40.822"/>
+    </inkml:context>
+    <inkml:brush xml:id="br0">
+      <inkml:brushProperty name="width" value="0.35" units="cm"/>
+      <inkml:brushProperty name="height" value="2.1" units="cm"/>
+      <inkml:brushProperty name="color" value="#66CC00"/>
+      <inkml:brushProperty name="ignorePressure" value="1"/>
+      <inkml:brushProperty name="inkEffects" value="pencil"/>
+    </inkml:brush>
+  </inkml:definitions>
+  <inkml:trace contextRef="#ctx0" brushRef="#br0">1 102,'4'0,"5"0,2-4,3-1,3-1,3 2,2 1,-2-3,-1-1,-3-2,-1-1,-2-3,0 2,3 1,2 4,3 2,1 2,2 1,1 1,0 0,0 1,0-1,0 1,-4 3,-6 7,-5 0</inkml:trace>
+</inkml:ink>
+</file>
+
+<file path=ppt/ink/ink2.xml><?xml version="1.0" encoding="utf-8"?>
+<inkml:ink xmlns:inkml="http://www.w3.org/2003/InkML">
+  <inkml:definitions>
+    <inkml:context xml:id="ctx0">
+      <inkml:inkSource xml:id="inkSrc0">
+        <inkml:traceFormat>
+          <inkml:channel name="X" type="integer" min="-2.14748E9" max="2.14748E9" units="cm"/>
+          <inkml:channel name="Y" type="integer" min="-2.14748E9" max="2.14748E9" units="cm"/>
+          <inkml:channel name="F" type="integer" max="32767" units="dev"/>
+          <inkml:channel name="OA" type="integer" max="360" units="deg"/>
+          <inkml:channel name="OE" type="integer" max="90" units="deg"/>
+        </inkml:traceFormat>
+        <inkml:channelProperties>
+          <inkml:channelProperty channel="X" name="resolution" value="1000" units="1/cm"/>
+          <inkml:channelProperty channel="Y" name="resolution" value="1000" units="1/cm"/>
+          <inkml:channelProperty channel="F" name="resolution" value="0" units="1/dev"/>
+          <inkml:channelProperty channel="OA" name="resolution" value="1000" units="1/deg"/>
+          <inkml:channelProperty channel="OE" name="resolution" value="1000" units="1/deg"/>
+        </inkml:channelProperties>
+      </inkml:inkSource>
+      <inkml:timestamp xml:id="ts0" timeString="2023-04-20T15:37:45.536"/>
+    </inkml:context>
+    <inkml:brush xml:id="br0">
+      <inkml:brushProperty name="width" value="0.35" units="cm"/>
+      <inkml:brushProperty name="height" value="2.1" units="cm"/>
+      <inkml:brushProperty name="color" value="#66CC00"/>
+      <inkml:brushProperty name="inkEffects" value="pencil"/>
+    </inkml:brush>
+  </inkml:definitions>
+  <inkml:trace contextRef="#ctx0" brushRef="#br0">433 137 1688 180000 90000,'0'0'801'0'0,"0"0"551"0"0,0 0 96 0 0,0 0-512 0 0,0 0-232 0 0,0 0-95 0 0,0 0 7 0 0,0 0 0 0 0,0 0-32 0 0,0 0-240 65298-20757,0 0 16-65298 20757,0-1-96 0 0,0 0-104 0 0,0 1-48 0 0,0 0-16 0 0,0-1 0 0 0,0 1-40 0 0,5 2 8 0 0,3 0-40 0 0,1 1 24 0 0,1-1-40 0 0,0 1-8 0 0,0-1-8 0 0,-2 0-8 0 0,-1 0 8 0 0,-1 0 40 0 0,-3 0 0 0 0,-1-1 16 0 0,-1-1 8 0 0,-1 1 16 0 0,0-1 0 0 0,0 0 0 0 0,-1 0-16 0 0,1 0 64 0 0,0 0-8 0 0,-1 0 25 0 0,-3 3-17 0 0,-2 2-80 0 0,-1 2 8 0 0,2 1-32 0 0,0-1 32 0 0,3 0-48 0 0,1-1-16 0 0,3-1-16 0 0,2 0 24 0 0,3 0-32 0 0,3-1 24 0 0,4 0-40 0 0,3-1 40 0 0,3 1 0 0 0,3-2 16 0 0,2 0 0 0 0,1 0 80 0 0,2-2-56 0 0,-1 0 40 0 0,-2-2-40 0 0,-2-1 72 0 0,-2 0 64 0 0,-4 1-8 0 0,-5 1 40 0 0,-4 0 48 0 0,-3 0 112 0 0,-3 1-16 0 0,-2 0 56 0 0,0 0 40 0 0,-4 1-184 0 0,-2-1 32 0 0,-3 2-104 0 0,-3 0-56 0 0,-3 1-16 0 0,-3-1-32 0 0,-2 0 8 0 0,-4 1-80 0 0,-1 0 24 0 0,-3 1 0 0 0,-1 0 8 0 0,-1-1 0 0 0,1-1-32 0 0,1 0 8 0 0,2-2-8 0 0,3 0-8 0 0,4-2 0 0 0,5 0-56 0 0,3-1 24 0 0,5-1-120 0 0,5 0-88 0 0,4-2 80 0 0,7-2-64 0 0,6 0 160 0 0,7-2-16 0 0,7-1-8 0 0,6 1 0 0 0,5-2-8 0 0,5-1 56 0 0,2 0-16 0 0,4 0 32 0 0,-1 0 16 0 0,0 0 16 0 0,-2-1 32 0 0,-2 0-8 0 0,-2 1 8 0 0,-5 1 24 0 0,-4 2 8 0 0,-5 0 24 0 0,-7 1 88 0 0,-6 1 16 0 0,-6 2-32 0 0,-6 2 16 0 0,-5 0-136 0 0,-7 1-40 0 0,-7 0 8 0 0,-7 2-16 0 0,-9 1-8 0 0,-9 2-24 0 0,-9 3-16 0 0,-6 2 0 0 0,-8 4 16 0 0,-6 3 8 0 0,-5 2 32 0 0,-6 3-16 0 0,-2 1 16 0 0,0 2-16 0 0,1 1 8 0 0,3 0-8 0 0,6 0 8 0 0,8-1-48 0 0,7-2 0 0 0,8-1-16 0 0,9-4-80 0 0,9-1-224 0 0,9-2 40 0 0,8-3-80 0 0,9 0 184 0 0,9-3 80 0 0,10-1 24 0 0,9-3 8 0 0,12-3 16 0 0,10-3 8 0 0,12-2-8 0 0,9-4 16 0 0,7-2 16 0 0,7-3 64 0 0,4-2 16 0 0,3-2 8 0 0,3 0-8 0 0,0-2 56 0 0,-1 0-64 0 0,-2 1 56 0 0,-5 1-48 0 0,-7 0 64 0 0,-7 3-8 0 0,-8 1 24 0 0,-9 1 16 0 0,-10 3 176 0 0,-8 1 8 0 0,-9 2 56 0 0,-9 2-56 0 0,-8 2-56 0 0,-6 0-40 0 0,-7 0 0 0 0,-8 0-136 0 0,-7 1-56 0 0,-9 1-8 0 0,-8 1-24 0 0,-8 3-48 0 0,-7 2-16 0 0,-8 3 40 0 0,-7 2-32 0 0,-6 3 88 0 0,-2 3-56 0 0,-3 0 8 0 0,0 0-32 0 0,2 1 0 0 0,3 0-72 0 0,3 0 0 0 0,4 0-32 0 0,4-2-32 0 0,5-1 64 0 0,7-2-88 0 0,5-1 64 0 0,7-1-240 0 0,8-3-985 0 0,6-1 137 0 0,9-1-432 0 0,8-1 175 0 0,7-2 345 0 0,8 0-24 0 0,9-2 120 0 0,8-2 15 0 0,0-1-783 0 0</inkml:trace>
+</inkml:ink>
+</file>
+
+<file path=ppt/ink/ink3.xml><?xml version="1.0" encoding="utf-8"?>
+<inkml:ink xmlns:inkml="http://www.w3.org/2003/InkML">
+  <inkml:definitions>
+    <inkml:context xml:id="ctx0">
+      <inkml:inkSource xml:id="inkSrc0">
+        <inkml:traceFormat>
+          <inkml:channel name="X" type="integer" min="-2.14748E9" max="2.14748E9" units="cm"/>
+          <inkml:channel name="Y" type="integer" min="-2.14748E9" max="2.14748E9" units="cm"/>
+          <inkml:channel name="F" type="integer" max="32767" units="dev"/>
+          <inkml:channel name="OA" type="integer" max="360" units="deg"/>
+          <inkml:channel name="OE" type="integer" max="90" units="deg"/>
+        </inkml:traceFormat>
+        <inkml:channelProperties>
+          <inkml:channelProperty channel="X" name="resolution" value="1000" units="1/cm"/>
+          <inkml:channelProperty channel="Y" name="resolution" value="1000" units="1/cm"/>
+          <inkml:channelProperty channel="F" name="resolution" value="0" units="1/dev"/>
+          <inkml:channelProperty channel="OA" name="resolution" value="1000" units="1/deg"/>
+          <inkml:channelProperty channel="OE" name="resolution" value="1000" units="1/deg"/>
+        </inkml:channelProperties>
+      </inkml:inkSource>
+      <inkml:timestamp xml:id="ts0" timeString="2023-04-20T15:37:59.904"/>
+    </inkml:context>
+    <inkml:brush xml:id="br0">
+      <inkml:brushProperty name="width" value="0.35" units="cm"/>
+      <inkml:brushProperty name="height" value="2.1" units="cm"/>
+      <inkml:brushProperty name="color" value="#66CC00"/>
+      <inkml:brushProperty name="inkEffects" value="pencil"/>
+    </inkml:brush>
+  </inkml:definitions>
+  <inkml:trace contextRef="#ctx0" brushRef="#br0">1593 197 3585 245298 69243,'-3'0'904'0'0,"-6"-2"1376"0"0,-6 1-535 0 0,-7-1-801 0 0,-9 2-16 0 0,-8 1-272 0 0,-7 1-168 0 0,-7 2-95 0 0,-6 2-17 0 0,-5 2-32 0 0,-6 1-128 0 0,-4 1-152 0 0,-4 1 48 0 0,-2 1-80 0 0,-1 1 48 0 0,1 1-80 0 0,0-1 0 0 0,3 1-16 0 0,3 0 24 0 0,5 1 8 0 0,6-1 8 0 0,7 0-8 0 0,6-1-16 0 0,8 0-24 0 0,8-1-16 0 0,9-1 0 0 0,7-2-56 0 0,10-2-88 0 0,7-2 72 0 0,9-3-64 0 0,10 0 136 0 0,10-3 16 0 0,10-2-32 0 0,10-2 32 0 0,10-3-48 0 0,8-1 16 0 0,7-2 8 0 0,6 0 16 0 0,4-1 40 0 0,3-1 80 0 0,1-2-16 0 0,-1 0 32 0 0,-2 0-8 0 0,-5-1 24 0 0,-6 1 0 0 0,-8 0 16 0 0,-8 0 152 0 0,-6 2 16 0 0,-7 1 48 0 0,-7 1-24 0 0,-7 1 16 0 0,-8 1-48 0 0,-7 2-56 0 0,-8 0 8 0 0,-7 2-144 0 0,-8 0 16 0 0,-6-1 8 0 0,-6 2-16 0 0,-7 0-80 0 0,-6 2-40 0 0,-5 1 8 0 0,-7 1-32 0 0,-4 3 16 0 0,-6 1 0 0 0,-4 4 0 0 0,-2 1 8 0 0,-2 3 16 0 0,0 1-8 0 0,2 1-32 0 0,2 0 16 0 0,5 0-32 0 0,6 0-8 0 0,8-1 48 0 0,7 0-48 0 0,7-2-16 0 0,6-1 8 0 0,5-1-80 0 0,7-2 40 0 0,5-2-176 0 0,7 0 184 0 0,6-1 16 0 0,7-2 56 0 0,7-3 32 0 0,7-2-88 0 0,7-3 8 0 0,7-1-32 0 0,6-4 56 0 0,5-2 16 0 0,3-1-24 0 0,2-3 24 0 0,1 0 0 0 0,-1-1 32 0 0,-2 1 32 0 0,-4 0-8 0 0,-5 0-8 0 0,-6 2 72 0 0,-8 1 24 0 0,-6 2 16 0 0,-8 2 88 0 0,-6 2-24 0 0,-7 2-56 0 0,-6 2 24 0 0,-6 0-56 0 0,-6 2-24 0 0,-8 0-16 0 0,-5 1-8 0 0,-6 1-32 0 0,-8 2-8 0 0,-7 2 8 0 0,-7 3-16 0 0,-7 2-32 0 0,-5 2 32 0 0,-5 3 0 0 0,-3 2 16 0 0,-2 1-88 0 0,0 1 64 0 0,1-1-24 0 0,4 0 40 0 0,3 0-48 0 0,5-2 32 0 0,3-2-32 0 0,6-1 24 0 0,5 0-24 0 0,6-1-8 0 0,8-2-8 0 0,6-1-8 0 0,9-3-88 0 0,6-1-56 0 0,7-1 16 0 0,6-1-8 0 0,7 0 160 0 0,9 0-48 0 0,8 0 40 0 0,7-2-40 0 0,8 0 56 0 0,6-3-72 0 0,7-1 32 0 0,4-2-48 0 0,4-1 56 0 0,3-3 40 0 0,1 0-16 0 0,0 0 24 0 0,0-2-24 0 0,-2 1 56 0 0,-4-2 0 0 0,-4 1 24 0 0,-4-1 0 0 0,-6 0 104 0 0,-6 2-32 0 0,-6 1 56 0 0,-8 1 40 0 0,-8 0-8 0 0,-7 0 24 0 0,-6 1-40 0 0,-7 1-56 0 0,-5-1-96 0 0,-5 0 40 0 0,-7 0-48 0 0,-7 1-8 0 0,-8 0 16 0 0,-7 2-32 0 0,-8 1 32 0 0,-7 2-40 0 0,-6 3-8 0 0,-6 1 16 0 0,-4 1-8 0 0,-1 2 24 0 0,0 1-16 0 0,2 2-24 0 0,2 0 16 0 0,1 2 32 0 0,2 0-48 0 0,2 1 16 0 0,3 0-32 0 0,4 1 0 0 0,6 0 24 0 0,5 0-16 0 0,7-1 24 0 0,6 0 0 0 0,8-2-64 0 0,6-1-16 0 0,7-3-16 0 0,6 0-48 0 0,8-2 48 0 0,8-1 48 0 0,8 0-16 0 0,9-2 24 0 0,7 0-32 0 0,8-2-8 0 0,6-1 0 0 0,5-2 32 0 0,4-1 40 0 0,4-1-8 0 0,0-1 8 0 0,-1-1 0 0 0,0 0 16 0 0,-2-1 8 0 0,-1 0 16 0 0,-2 0-24 0 0,-4 0 72 0 0,-5 1 16 0 0,-6-1 16 0 0,-7 1 48 0 0,-6 0 0 0 0,-6 2-8 0 0,-8 1 8 0 0,-5 2-24 0 0,-5 2-32 0 0,-5-1-32 0 0,-6-1 8 0 0,-5 0-96 0 0,-6 1 24 0 0,-7 1-8 0 0,-6 1 24 0 0,-7 2-16 0 0,-6 2-8 0 0,-5 1-24 0 0,-2 2 8 0 0,-3 0-40 0 0,0 1 48 0 0,-1 2-16 0 0,0 0 24 0 0,-1 2-24 0 0,2 0 24 0 0,2 1 0 0 0,3 0 0 0 0,4-1 32 0 0,4 1-48 0 0,6-2 8 0 0,5 0-24 0 0,6-1 0 0 0,7-1-48 0 0,5-2 0 0 0,7-2-16 0 0,6 0-40 0 0,5-1 104 0 0,6-2-8 0 0,7 0 32 0 0,6-2-56 0 0,6-2 64 0 0,6-2-40 0 0,6-2 48 0 0,4-3-64 0 0,3-1 32 0 0,1-2 8 0 0,0-1 16 0 0,-2 0 0 0 0,-2 0 40 0 0,-3-1-32 0 0,-5 2 40 0 0,-5-1-80 0 0,-4 2 160 0 0,-6 1-48 0 0,-5 2 88 0 0,-6 2-72 0 0,-6 3-24 0 0,-4 0-8 0 0,-6 0-8 0 0,-6 0-56 0 0,-6 2 0 0 0,-6 0-8 0 0,-4 1 8 0 0,-6 2 32 0 0,-4 2-56 0 0,-4 2 16 0 0,-5 1-32 0 0,-3 2 40 0 0,-3 2-16 0 0,-3 1 8 0 0,0 2-8 0 0,0 0 8 0 0,1 1-8 0 0,2-1 16 0 0,4-1 0 0 0,3 0 24 0 0,5-3-56 0 0,5 0 0 0 0,6-1-16 0 0,4-3 24 0 0,6 0-8 0 0,6-2 0 0 0,4-1-24 0 0,4-1-136 0 0,4-1 152 0 0,5-1-80 0 0,3-1 112 0 0,5-3-24 0 0,4-1 0 0 0,3-4 16 0 0,5 0-8 0 0,3-3 32 0 0,3-1-48 0 0,1 0 40 0 0,1-1-48 0 0,-1 0 72 0 0,-2 1 0 0 0,-1 1-16 0 0,-3 2 8 0 0,-3 1 56 0 0,-3 1-16 0 0,-5 2 32 0 0,-3 1-32 0 0,-5 2-24 0 0,-3 2 24 0 0,-2 1-40 0 0,-3 0 40 0 0,0 1-72 0 0,-2 2 80 0 0,-1 2-16 0 0,-3 2 40 0 0,-1 1-24 0 0,-3 1-48 0 0,-2 1 32 0 0,0 1-40 0 0,-2 1-40 0 0,-1 1 8 0 0,1 2 16 0 0,0 1 8 0 0,1 0 40 0 0,2 1-48 0 0,1 1 8 0 0,1 0-16 0 0,2 1 0 0 0,2-1 8 0 0,1-1-8 0 0,1-1 16 0 0,2 0 16 0 0,1-2 0 0 0,1 0-16 0 0,0-1 0 0 0,1-1-48 0 0,0-2 64 0 0,0-2-16 0 0,-1-3 24 0 0,0-1-16 0 0,-1-2 0 0 0,0 0-8 0 0,0-1 0 0 0,0 0-8 0 0,0 0 0 0 0,0-1 24 0 0,0 1-16 0 0,-2-4-16 0 0,-2-3 24 0 0,0-2-40 0 0,-3-3 40 0 0,0-2 16 0 0,-1-2-48 0 0,-1-2 48 0 0,-1-1-56 0 0,0 0 32 0 0,0-1-8 0 0,0 0 0 0 0,1 0 8 0 0,-1 1 24 0 0,1 2 0 0 0,0 1-24 0 0,0 3 16 0 0,1 1-8 0 0,1 3-40 0 0,0 2 24 0 0,1 2-40 0 0,1 3 48 0 0,1 0 0 0 0,0 3-16 0 0,1 1-8 0 0,0 2-8 0 0,0 2 8 0 0,0 2 24 0 0,0 2-8 0 0,-1 2-24 0 0,2 4 48 0 0,0 2-40 0 0,1 3 48 0 0,1 1-16 0 0,1 1-16 0 0,1 1 24 0 0,0 0-24 0 0,1-1 24 0 0,1 0-32 0 0,-1-1 16 0 0,0-1-24 0 0,1-1 24 0 0,0-1 0 0 0,2-1 16 0 0,1-3 8 0 0,2-2 8 0 0,0-2-16 0 0,0-3 0 0 0,-1-3-16 0 0,0-3 0 0 0,0-3 8 0 0,1-3-8 0 0,1-3 16 0 0,1-1 0 0 0,2-4 0 0 0,1 0-32 0 0,1-3 16 0 0,1-2 0 0 0,1-1-32 0 0,0-2 40 0 0,0 0-40 0 0,1 0 16 0 0,-1 1 32 0 0,-1 1-32 0 0,0 2 24 0 0,-1 2-48 0 0,-1 1 48 0 0,-2 3-8 0 0,-1 1 24 0 0,-2 3-56 0 0,-1 1 8 0 0,-2 2 8 0 0,-1 1 8 0 0,-2 2-8 0 0,0 2-16 0 0,0 2 32 0 0,-1 1-24 0 0,0 2 48 0 0,-1 0-8 0 0,-1 1-8 0 0,0 2 0 0 0,0 1-48 0 0,1 0 24 0 0,1 0 8 0 0,0 0 8 0 0,2-2 32 0 0,2 1-8 0 0,2-1-8 0 0,3 0 0 0 0,5 1 16 0 0,2-2 0 0 0,2 1 0 0 0,3-2 0 0 0,0-1 56 0 0,2 0-72 0 0,2-2 24 0 0,0-2-40 0 0,3-2 16 0 0,0-1 32 0 0,0-3-40 0 0,0 0 32 0 0,-2-2-32 0 0,-3 0 24 0 0,-4 0 48 0 0,-4-1-24 0 0,-4 1 41 0 0,-4 0 23 0 0,-4 0-64 0 0,-5 0 48 0 0,-4-1-24 0 0,-5 0-40 0 0,-5 0 32 0 0,-5 1-40 0 0,-4 0-16 0 0,-4 1 8 0 0,-5 0 8 0 0,-3 1-8 0 0,-2 2-32 0 0,0 0 8 0 0,-3 1-32 0 0,0 2 32 0 0,-2 2-8 0 0,0 2 8 0 0,-1 1 0 0 0,1 3 0 0 0,1 0-32 0 0,2 1 40 0 0,2 0-24 0 0,3 0 24 0 0,4 1-8 0 0,4-1-40 0 0,3 0 48 0 0,6 1-32 0 0,4 0-16 0 0,4-1-32 0 0,5-1-8 0 0,4 0 8 0 0,5-1 88 0 0,5 1-32 0 0,7 0 0 0 0,6 1-32 0 0,7-1-8 0 0,7 1-24 0 0,6-3 23 0 0,5 0-23 0 0,5-2-8 0 0,4-1 24 0 0,2-1-32 0 0,1-1 40 0 0,3-1 0 0 0,0-1 56 0 0,3-2-8 0 0,0-1 8 0 0,0-2-24 0 0,-2-1 56 0 0,-3 0 0 0 0,-5 0 24 0 0,-4-1-24 0 0,-6 0 16 0 0,-5 1 16 0 0,-7-1 0 0 0,-6 1 48 0 0,-6 1 65 0 0,-7-1-9 0 0,-3 2 32 0 0,-6-1-64 0 0,-3 0 56 0 0,-4 0-40 0 0,-3-1 40 0 0,-3-1-72 0 0,-5 0-48 0 0,-5 0 0 0 0,-6-1-8 0 0,-7-1 8 0 0,-7 1 16 0 0,-7 1-8 0 0,-5 0 8 0 0,-5 3-40 0 0,-3 0-40 0 0,-3 1 40 0 0,-1 1-40 0 0,0 1-8 0 0,1 0 8 0 0,5 2-32 0 0,4 0 32 0 0,5 2-40 0 0,4 0 32 0 0,4 1-16 0 0,4 0 16 0 0,5 1-24 0 0,4 0-8 0 0,6 2-8 0 0,5 0 0 0 0,5 1-32 0 0,5 0 0 0 0,4 0 24 0 0,6 0-16 0 0,5 1 8 0 0,6 0 48 0 0,8 1-24 0 0,5 0 32 0 0,6 0-16 0 0,5 0 16 0 0,6-1-16 0 0,7-1 16 0 0,6-1-8 0 0,6 0-8 0 0,3-1 8 0 0,3-1-8 0 0,1-1-8 0 0,-1-1-16 0 0,-1 0 8 0 0,-4 1-8 0 0,-5-1 40 0 0,-2-1 48 0 0,-5-1-16 0 0,-2-2 24 0 0,-4 0-24 0 0,-5-1 16 0 0,-4-2 24 0 0,-7 0-16 0 0,-6 0 64 0 0,-6 0 8 0 0,-6-1 32 0 0,-6 1-16 0 0,-5-1-24 0 0,-5 0 56 0 0,-6 0-64 0 0,-5-2 64 0 0,-6-1-88 0 0,-9 0-24 0 0,-7 0-8 0 0,-9 0 0 0 0,-7 0-32 0 0,-6 1 24 0 0,-5 0 0 0 0,-3 0 16 0 0,-5 1-16 0 0,-3 0-8 0 0,-5 2-32 0 0,-2 1 24 0 0,-4 1-32 0 0,1 1-16 0 0,2 0 24 0 0,4 2-16 0 0,5 1 24 0 0,5 0-24 0 0,5 2 0 0 0,5 0-8 0 0,5 1 40 0 0,6 0-8 0 0,6-1-16 0 0,6 0 0 0 0,7 1-48 0 0,7-1-16 0 0,6-1 40 0 0,5 0-40 0 0,6 0-8 0 0,6 0-24 0 0,6 0 24 0 0,8 1-8 0 0,7 0 80 0 0,7 1-56 0 0,8 1 8 0 0,6 0-16 0 0,6-1 56 0 0,4-1-96 0 0,4 1 64 0 0,4 0-56 0 0,3 0 96 0 0,4-1-16 0 0,2 0-8 0 0,3 0 0 0 0,0-1 8 0 0,-2-1 0 0 0,-3 0 0 0 0,-4-1 0 0 0,-4 0 16 0 0,-5 0 40 0 0,-3 0-24 0 0,-4-1 40 0 0,-4 0-40 0 0,-4 0 40 0 0,-4 0 0 0 0,-7 0 0 0 0,-5-1 8 0 0,-6 0-24 0 0,-7 1 80 0 0,-6 0-48 0 0,-4-1 120 0 0,-5 0-40 0 0,-4-1-8 0 0,-7-1 0 0 0,-6 0-48 0 0,-8-2-24 0 0,-7 0-32 0 0,-8 0 24 0 0,-6-1-16 0 0,-3 0-64 0 0,-4 1 16 0 0,0 2-32 0 0,-3 1 64 0 0,-3 2-40 0 0,-2 1 8 0 0,-3 2-16 0 0,-2 3 16 0 0,0 0 8 0 0,-1 2-8 0 0,3 0 0 0 0,4 1-8 0 0,6 0 8 0 0,7 0-8 0 0,5 0 8 0 0,6 0-40 0 0,3 0 56 0 0,5 0 0 0 0,4-1 24 0 0,4-1-64 0 0,5-1 8 0 0,5-1 0 0 0,4-3 16 0 0,4 0-40 0 0,3 0 32 0 0,5 1 8 0 0,3-2 0 0 0,6 0 32 0 0,5-2 24 0 0,6-3-40 0 0,4-1 40 0 0,5-2-56 0 0,2-1 0 0 0,4-2 0 0 0,1-1 0 0 0,4 0 0 0 0,3-2 0 0 0,3 0-24 0 0,2-1 24 0 0,0 1 0 0 0,-1 0 0 0 0,-1 0 0 0 0,-2 0 8 0 0,-3 2-8 0 0,-2 1 8 0 0,-4 1 8 0 0,-4 2 0 0 0,-4 2-32 0 0,-4 1 16 0 0,-3 2 0 0 0,-2 0 8 0 0,-2 0-48 0 0,-1 1 24 0 0,-2 0 8 0 0,-1-1 8 0 0,-3 0 16 0 0,-1-1 0 0 0,-2 0-32 0 0,-1 1 16 0 0,-3 1-16 0 0,-2 0 16 0 0,-2 0 16 0 0,-1 1-16 0 0,-5-1 56 0 0,-4 0-16 0 0,-3 0-8 0 0,-5-3-16 0 0,-3 0-16 0 0,-4-2 24 0 0,-2 0-24 0 0,-3-1 32 0 0,0 1-80 0 0,-3 0 40 0 0,-3 1 8 0 0,-2 1 8 0 0,-2 0-8 0 0,-3 1-8 0 0,-1 1-8 0 0,-1 1 0 0 0,-1 3 16 0 0,1 2 0 0 0,1 1-16 0 0,1 2 16 0 0,1 0-8 0 0,3 0 0 0 0,1-1 0 0 0,3 1 8 0 0,2-1-24 0 0,4-1 24 0 0,3 1 8 0 0,5-1 8 0 0,3 0-24 0 0,4-1 16 0 0,3-2-40 0 0,3 0 32 0 0,3 0-32 0 0,2 1 0 0 0,3 1 16 0 0,2 1-8 0 0,4 0 0 0 0,5 1 32 0 0,5 0 8 0 0,6 0 0 0 0,8 0-32 0 0,7 1 0 0 0,8-2-24 0 0,8 1 16 0 0,7 0 8 0 0,7-1-16 0 0,4 0 16 0 0,4 0-16 0 0,3-2-16 0 0,3 0 48 0 0,4-1 0 0 0,4-1 16 0 0,2-1-40 0 0,-2-1 24 0 0,-2 1 8 0 0,-3-1 8 0 0,-3 0-32 0 0,-4 1 40 0 0,-3 0-40 0 0,-4 0 40 0 0,-5 0-8 0 0,-8 1 32 0 0,-7-1 32 0 0,-9 0-24 0 0,-7 0 32 0 0,-9 0 32 0 0,-7 0-16 0 0,-7 0 24 0 0,-6 0-56 0 0,-5 0 24 0 0,-5-1-48 0 0,-6 0 32 0 0,-4 0-64 0 0,-7-1 16 0 0,-6 0-8 0 0,-8 0 0 0 0,-8 0-72 0 0,-7 0 48 1185-893,-7 0-8-1185 893,-6 1 16 0 0,-2 0-24 0 0,-1 1 0 0 0,1 1 0 0 0,2 2 8 0 0,1 0 8 0 0,0 2 0 0 0,-1 0-24 0 0,2 1 0 0 0,0 0 16 0 0,2 1 8 0 0,2-1 0 0 0,4 0 0 0 0,4 0-8 0 0,7-1 16 0 0,6 0-16 0 0,7-2 16 0 0,7 0-88 0 0,5-1-48 0 0,7 0 48 0 0,4 1-40 0 0,6 0 120 0 0,5 1-96 0 0,6 1 40 0 0,6 0-48 0 0,8 0 104 0 0,9 1-104 0 0,8-1 72 0 0,7 0-72 0 0,7 0 112 0 0,5-2-16 0 0,3-1-40 0 0,1 0 24 0 0,2-1 24 0 0,-1 0-40 0 0,1-1 48 0 0,1 0-32 0 0,-1 0 56 0 0,1-1-8 0 0,-3-1-16 0 0,-2-1 0 0 0,-4 0 32 0 0,-6 0 8 0 0,-6 0 24 0 0,-6-1-24 0 0,-6 1 40 0 0,-7 1 24 0 0,-6 0-8 0 0,-8 1 16 0 0,-6 0 16 0 0,-6 1-56 0 0,-2 0 32 0 0,-2 0-40 0 0,-5-2 56 0 0,-3-2-120 0 0,-7 0 32 0 0,-5-1-56 0 0,-6 0 16 0 0,-6 0 0 0 0,-6 1 8 0 0,-5-1-8 0 0,-6 1-32 0 0,-5 1 32 2404 336,-4 1-32-2404-336,-3 0 40 0 0,-1 1 0 0 0,2 1-48 0 0,3 0 24 0 0,3 1-32 0 0,5 0 48 0 0,2 1 0 0 0,2 0 8 0 0,3 1-8 0 0,2 1 16 0 0,4 1 0 0 0,2-1-8 0 0,4 1 8 0 0,3 0-32 0 0,5 0-8 0 0,4 0-24 0 0,5 1 0 0 0,4-1-120 0 0,5 1 104 0 0,4 0-24 0 0,5 1 56 0 0,4 1 24 0 0,6 0-56 0 0,5 1 24 0 0,5 0-24 0 0,6 1 64 0 0,6 0-40 0 0,4 0 32 0 0,3-1-32 0 0,2 1 0 0 0,3-2 40 0 0,3 0-40 0 0,2 0 32 0 0,3-3-24 0 0,0-1 40 0 0,2-1-16 0 0,0-3 24 0 0,-2-2-8 0 0,-1 0 16 0 0,-4-2-8 0 0,-2 0 8 0 0,-5-1 8 0 0,-4 0 8 0 0,-5 0 32 0 0,-5-1-24 0 0,-6 1 24 0 0,-5-1 0 0 0,-4 0 16 0 0,-5 0-8 0 0,-2 0 40 0 0,-4 0-72 0 0,-3 0-16 0 0,-3 0-24 0 0,-3-1-80 0 0,-3 1 32 0 0,-3-2 8 0 0,-2 0 8 0 0,-5-1 24 0 0,-3 1-40 0 0,-5 0 0 0 0,-5 1 0 0 0,-5 1 40 0 0,-2 1-8 0 0,-4 2 0 0 0,-3 0-24 0 0,-2 2-32 0 0,-3 1 48 0 0,-1 1 16 0 0,-2 1 0 0 0,2 1-16 0 0,1 1 16 0 0,5-1-32 0 0,5 0 32 0 0,4 0-40 0 0,4 1 16 0 0,4 0 24 0 0,4 0 0 0 0,4 0 40 0 0,3 0-72 0 0,4 0 0 0 0,3 0-32 0 0,4-1-16 0 0,2 2 24 0 0,4-1-8 0 0,4 1 24 0 0,5 0 24 0 0,5 1-8 0 0,6 0-8 0 0,5-1 8 0 0,6-1-16 0 0,7 0-24 0 0,7-2 48 0 0,6-2-32 0 0,7-1 72 0 0,5-3-24 0 0,3-1 16 0 0,1-2-16 0 0,0 0 48 0 0,-3-1-56 0 0,-4 1-8 0 0,-3 0-8 0 0,-5 1 32 0 0,-2-1 8 0 0,-3 1 32 0 0,-3-1-24 0 0,-4-1 0 0 0,-5 1 56 0 0,-6 0-32 0 0,-5 1 56 0 0,-6 2 32 0 0,-7 0-72 0 0,-4 2 16 0 0,-6-1-40 0 0,-5 1-48 0 0,-6-1 0 0 0,-5 1-8 0 0,-6-1 16 0 0,-7 0-16 0 0,-6-1-32 0 0,-5 1 8 0 0,-5 1-16 0 0,-1 0 40 0 0,-2 0 8 0 0,0 1-8 0 0,-2 1 0 0 0,0 1-40 0 0,-3 2 72 0 0,0 0-16 0 0,-1 0 32 0 0,-1 1-80 0 0,1 0 56 0 0,2 0-24 0 0,3-1 24 0 0,5 0-16 0 0,5 0 8 0 0,5-1-8 0 0,6 0 8 0 0,5-1-8 0 0,6 0-80 0 0,6 0 16 0 0,4-1-56 0 0,3 1 24 0 0,4 0 64 0 0,4 1-24 0 0,5 1 32 0 0,7-1-8 0 0,7 0-8 0 0,7-1 32 0 0,7 0-32 0 0,7-2 40 0 0,3-1-24 0 0,4-1 8 0 0,1-1-8 0 0,1-1 0 0 0,0-1 32 0 0,-2 0-8 0 0,-3-1 8 0 0,-2 0 24 0 0,-3 0-40 0 0,-1 1 48 0 0,-3 1-40 0 0,-2 0 40 0 0,-4 0 32 0 0,-3 0-8 0 0,-4 2 16 0 0,-5-1-24 0 0,-5 1 24 0 0,-6 1-8 0 0,-5 0 24 0 0,-3 2 24 0 0,-5-1-80 0 0,-4 0 16 0 0,-6-1-40 0 0,-6 0 8 0 0,-5 0-16 0 0,-6 0-40 0 0,-6 1 24 0 0,-5 0 64 0 0,-3 1-64 0 0,-3 0 32 0 0,-1 0-40 0 0,-1 2 40 0 0,0 1-40 0 0,-2 1-8 0 0,-1 1-8 0 0,-1 1 24 0 0,0 1 8 0 0,1 0 16 0 0,1 0-16 0 0,3 1-32 0 0,3-1 64 0 0,5-1-48 0 0,5 0 48 0 0,7-1-80 0 0,6 0-48 0 0,6-1 8 0 0,6-1-8 0 0,4 0 24 0 0,5 1 0 0 0,6-1 24 0 0,8 2-16 0 0,7 0 40 0 0,8 0-8 0 0,8-1-8 0 0,6-1 0 0 0,6-2-16 0 0,4-1 16 0 0,3 0 16 0 0,0-2-8 0 0,2-1 40 0 0,-2-1 0 0 0,0 1 8 0 0,0-1 8 0 0,-2 0-24 0 0,-1-1 32 0 0,-2-1 24 0 0,-4 0 16 0 0,-3 0 32 0 0,-5 0-16 0 0,-6 0 8 0 0,-7 1 0 0 0,-5 1 24 0 0,-8 0 0 0 0,-5 2 16 0 0,-5 1-8 0 0,-4-1 16 0 0,-6 0-104 0 0,-4-2-8 0 0,-8 1-16 0 0,-6 0 24 0 0,-9 0-48 0 0,-7 0 32 0 0,-7 1-24 0 0,-5 1 16 0 0,-2 0-8 0 0,-1 2-8 0 0,0 1 0 0 0,1 0 16 0 0,-2 2-8 0 0,1 1-16 0 0,0 1-8 0 0,0 0 24 0 0,2 0 8 0 0,2-1-8 0 0,4 0 0 0 0,5 0 0 0 0,6-1 16 0 0,8 0 8 0 0,6-1-16 0 0,7 0-72 0 0,6-1 24 0 0,5-1 8 0 0,5 0 0 0 0,6 0-24 0 0,5 0 32 0 0,8 0-16 0 0,6-1 32 0 0,7 0 40 0 0,7-2-64 0 0,5-2 8 0 0,5-1-32 0 0,3-1 40 0 0,1-1-32 0 0,0-1 16 0 0,-1-1-16 0 0,-2 0 80 0 0,-2 0 8 0 0,-2 1-24 0 0,-3-1 8 0 0,-3 1-24 0 0,-4 1 0 0 0,-3 0 32 0 0,-6 1-16 0 0,-4 0 64 0 0,-5 1-72 0 0,-4 0 0 0 0,-6 2-8 0 0,-4 1 56 0 0,-2 1-48 0 0,-4-2 16 0 0,-5-1-24 0 0,-3 1 0 0 0,-4 0-32 0 0,-4 1 16 0 0,-4 0-24 0 0,-5 0 40 0 0,-4 1 0 0 0,-2 0-16 0 0,-2 1 8 0 0,-1 0-72 0 0,-1 2 40 0 0,-1-1 16 0 0,0 1 8 0 0,0 1 40 0 0,1 1-32 0 0,1-1 0 0 0,2 1-16 0 0,1 0 32 0 0,4 0 16 0 0,2-1-8 0 0,6-1-8 0 0,4-1 8 0 0,6 0-40 0 0,5-1 24 0 0,3 0-40 0 0,5 0 40 0 0,5 0-24 0 0,5-1 24 0 0,8 1-8 0 0,5-2 64 0 0,6-1-72 0 0,6-1 8 0 0,4 0-24 0 0,2-1 72 0 0,2-2-40 0 0,-2 0 8 0 0,1-2-32 0 0,-1 0 48 0 0,-1 0 8 0 0,0 1 8 0 0,-2 0 0 0 0,-2 0 8 0 0,-4 2-16 0 0,-5-1 24 0 0,-4 2-16 0 0,-6 0 64 0 0,-6 1-80 0 0,-5 1 40 0 0,-5 1-56 0 0,-3 1 40 0 0,-6-1-56 2471 301,-6 1 8-2471-301,-6-1-24 0 0,-6 0-32 0 0,-7 1 48 0 0,-7 0-32 0 0,-6 2 40 0 0,-5-1 16 0 0,-2 2-48 0 0,-2 1 32 0 0,0 0-48 0 0,0 2 0 0 0,-1-1 56 0 0,1 1-32 0 0,1-2 40 0 0,1 1-24 0 0,1 0 0 0 0,4 0 8 0 0,3 0 0 0 0,5 0 16 0 0,4-1-16 0 0,4 0-24 0 0,7 0 8 0 0,5-2-32 0 0,6 1 0 0 0,5-1 8 0 0,4 0 0 0 0,5 0-24 0 0,6 1 64 0 0,6 0-16 0 0,8-1 24 0 0,5-2-56 0 0,7-2 16 0 0,5-1 8 0 0,5-1 16 0 0,4 1 56 0 0,3-2-64 0 0,1 1 16 0 0,0 0-40 0 0,0-1 40 0 0,-2 1 24 0 0,-1 0-24 0 0,-2-1 24 0 0,-1 1-48 0 0,-2 0 24 0 0,-2-1 32 0 0,-4 1 8 0 0,-5-1-8 0 0,-3 0 48 0 0,-6 1-40 0 0,-5 0 40 0 0,-5 1-48 0 0,-6 0 32 0 0,-3 2-8 0 0,-4 1 8 0 0,-3-2-56 0 0,-5-1-40 0 0,-4 0 16 0 0,-5 0-24 0 0,-6 1 56 0 0,-6 1-40 0 0,-5 0 8 0 0,-6 2-24 0 0,-5 1 48 0 0,-2 0-40 0 0,-1 1 8 0 0,0 0-24 0 0,0 1 0 0 0,-2 1 24 0 0,-3-1-8 0 0,-3 1 16 0 0,-5 1-8 0 0,-2 0-104 0 0,-4 1 48 0 0,-2 0-56 0 0,0 0 120 0 0,1 0 8 0 0,3 0 16 0 0,4 0-8 0 0,5 0 8 0 0,4-1 24 0 0,3 1-24 0 0,4-1 32 0 0,5 0-40 0 0,5 0 0 0 0,4 0-16 0 0,7 0 8 0 0,4-1-16 0 0,6-1 0 0 0,5 0 8 0 0,3-2-8 0 0,6 1-8 0 0,5-1 8 0 0,6-1 24 0 0,9 0 0 0 0,8-1 8 0 0,9 0-8 0 0,7-2-8 0 0,7 0-16 0 0,4-1 16 0 0,4-1 0 0 0,2-2 8 0 0,3-2 0 0 0,0-1 0 0 0,1-1-16 0 0,-1-1 16 0 0,-3-1-24 0 0,-3 2 24 0 0,-4 0 48 0 0,-4 1-16 0 0,-6 2 40 0 0,-7 1-40 0 0,-7 1 32 0 0,-6 0 0 0 0,-6 1 16 0 0,-6 0 0 0 0,-5 0 0 0 0,-4 0-32 0 0,-2 2 16 0 0,-3 0-64 0 0,0 1-8 0 0,-5 0 24 0 0,-4 0-16 0 0,-5-1-16 0 0,-5 0 0 0 0,-4 0-16 0 0,-4 1 24 0 0,-4 0 16 0 0,-4 1 0 0 0,-3 1 8 0 0,-3 2 0 0 0,-3-1 16 0 0,-2 1 8 0 0,-2 0-8 0 0,-1 0 0 0 0,0 0-16 0 0,0 2 0 0 0,1 0 8 0 0,2 1 0 0 0,4 0-24 0 0,2 1 32 0 0,2 0-48 0 0,2 0 40 0 0,1-2-24 0 0,2 0 0 0 0,2 0 40 0 0,1 0-32 0 0,4-1 16 0 0,3 1 0 0 0,3-1-8 0 0,3-1 0 0 0,4 0 0 0 0,5-1 40 0 0,2 0-40 0 0,3-1 32 0 0,4 1-48 0 0,4-1-8 0 0,5-1 8 0 0,4 2 0 0 0,6-1 24 0 0,4 0-24 0 0,5-1 16 0 0,5-1-16 0 0,4-1 8 0 0,2 0 0 0 0,2-1-8 0 0,2-2 0 0 0,1-2-32 0 0,1-1 16 0 0,1-1 16 0 0,0-1-8 0 0,0 0 32 0 0,-3 0-8 0 0,-2 0-16 0 0,-4 1 0 0 0,-3 0-8 0 0,-3 0 32 0 0,-5 0 8 0 0,-4 1 8 0 0,-3 0-16 0 0,-5 1 32 0 0,-2 2-16 0 0,-4 0 8 0 0,-3 0-56 0 0,-3 2-32 0 0,-3-1 16 0 0,-4 1-16 0 0,-3-1 40 0 0,-3 1-8 0 0,-4 0-8 0 0,-3 0 0 0 0,-4 1 0 0 0,-4 0 8 0 0,-4 2 8 0 0,-5 0 0 0 0,-3 1 16 0 0,-4 2 0 0 0,-4 0-24 0 0,-3 2 8 0 0,-1 0-72 0 0,1 0 64 0 0,1 1 8 0 0,2-1 8 0 0,3 1 24 0 0,0-1-32 0 0,1 1 8 0 0,2 0-8 0 0,1 1 0 0 0,3-1 8 0 0,2 1-16 0 0,4 0 8 0 0,2 1 0 0 0,4-1-8 0 0,4 0 0 0 0,2 0 0 0 0,5-2-8 0 0,5-1-120 0 0,3-1 24 0 0,2-1-56 0 0,3 1 56 0 0,4 0 56 0 0,4 1-16 0 0,5 0 32 0 0,4-1-80 0 0,5-1 48 0 0,6-1-24 0 0,4-1 40 0 0,3-2 8 0 0,3-1 24 0 0,2 0 24 0 0,-1-2 0 0 0,1 1 0 0 0,-3-1 32 0 0,-1 0-40 0 0,-1-1 24 0 0,-3-1-24 0 0,-1 1 72 0 0,-2 0-8 0 0,-3 1 32 0 0,-4 1-56 0 0,-3 0 64 0 0,-4 1-16 0 0,-5 1 24 0 0,-4 1-80 0 0,-3 1 56 0 0,-3 1-32 0 0,-3-2 40 0 0,-3-2-72 0 0,-5 0 16 0 0,-4 0 0 0 0,-5 0 0 0 0,-6 0 0 0 0,-4 0-24 0 0,-4 1-8 0 0,-2 1 0 0 0,-2 0 48 0 0,-1 0-64 0 0,-1 1 16 0 0,-3 2-32 0 0,-2 0 24 0 0,-2 2 0 0 0,-3 0 0 0 0,0 2 8 0 0,-1 0 0 0 0,1 2-24 0 0,0 1-8 0 0,2 0 0 0 0,3 0 32 0 0,3 1-16 0 0,3-1 0 0 0,6 0-16 0 0,5 0 0 0 0,5 0-32 0 0,6 0 24 0 0,4-1-40 0 0,4 0-88 0 0,4-2 16 0 0,3 0 16 0 0,3 0 16 0 0,2-1 128 0 0,4 0-24 0 0,4-1 8 0 0,5 0-24 0 0,6 0 32 0 0,6-1 0 0 0,5 0-16 0 0,6-2 0 0 0,3-2 16 0 0,2-2 0 0 0,1-2 0 0 0,1 0 0 0 0,-2-1-8 0 0,-1 1 0 0 0,-3 0 8 0 0,-2 0 0 0 0,-4 1 48 0 0,-4 0 24 0 0,-6 1 16 0 0,-4 0-8 0 0,-7 1 0 0 0,-5 1 32 0 0,-4 1-24 0 0,-3 1 16 0 0,-3-3-40 0 0,-2-2 0 0 0,-5-1-32 0 0,-3 0 16 0 0,-4-1-48 0 0,-6 0 0 0 0,-4 1 48 0 0,-5 0-40 0 0,-4 0 8 0 0,-3 1 0 0 0,-4 1 0 0 0,-4 2 8 0 0,-3 0 0 0 0,-3 1-48 0 0,-2 0 24 0 0,-1 0-24 0 0,2 2 48 0 0,2 0-8 0 0,2 0-40 0 0,1 3 24 0 0,1 0-8 0 0,2 2-32 0 0,2 1 32 0 0,2 1-40 0 0,4 1 16 0 0,5 0 32 0 0,4-1 16 0 0,5 1 0 0 0,4-2-32 0 0,6 1-88 0 0,4-1 0 0 0,5 0-16 0 0,4-1 96 0 0,6 2-32 0 0,6-1 16 0 0,7 0-24 0 0,7 1 8 0 0,7-1-32 0 0,7 0 40 0 0,6-1-32 0 0,3-1 32 0 0,4-2 40 0 0,1-1-32 0 0,2 0 40 0 0,2-2-32 0 0,2-2 40 0 0,2-1-16 0 0,0-1 24 0 0,-1 0 0 0 0,0 0-16 0 0,-1 1 0 0 0,-2-1 0 0 0,-3 2 0 0 0,-2 1 0 0 0,-3-1 56 0 0,-1 1-32 0 0,-2 0-8 0 0,0 1-8 0 0,-3-2 0 0 0,-1 1 16 0 0,-4 0 48 0 0,-3 0-32 0 0,-4-1 0 0 0,-2 2-16 0 0,-5-1 0 0 0,-2 1 48 0 0,-5 1-8 0 0,-3-1 24 0 0,-5 0-24 0 0,-3 0-8 0 0,-3 0 0 0 0,-3-1-8 0 0,-4 0 8 0 0,-3 0-48 0 0,-4-1 0 0 0,-5 0-16 0 0,-3 1-56 0 0,-5-1 56 0 0,-4 1-32 0 0,-4 0 40 0 0,-4 0 0 0 0,-3 1 0 0 0,-4 1 24 0 0,-1 0-32 0 0,0 1-48 0 0,1 0 64 0 0,3 0-16 0 0,4 0 32 0 0,4-1-24 0 0,5 0 0 0 0,5 0 0 0 0,5 0 0 0 0,5 0 0 0 0,3-1-8 0 0,3 1-32 0 0,2-1 8 0 0,3 1-32 0 0,2 1 80 0 0,4-1 0 0 0,5 1 24 0 0,5 0-48 0 0,6-1-32 0 0,6 0 8 0 0,7-1-8 0 0,6-1 8 0 0,6-1 32 0 0,15-3-48 0 0,6 0 8 0 0,1-2 40 0 0,-1 1 0 0 0,-5 0 24 0 0,-5 0-8 0 0,-5 2-8 0 0,-4-1 24 0 0,-4 1-32 0 0,-3 0-8 0 0,-2-1 16 0 0,-1 0 8 0 0,-4 0 8 0 0,-2 0-32 0 0,-4 1 80 0 0,-4-1-56 0 0,-5 1 88 0 0,-5 0-72 0 0,-5 0-32 0 0,-5 2 24 0 0,-3 0-32 0 0,-4-1 8 0 0,-5-1 0 0 0,-4-2 0 0 0,-5 0 0 0 0,-4-1 0 0 0,-5 1-8 0 0,-4 0-24 0 0,-4 0 16 0 0,-4 1-16 0 0,-2 1 24 0 0,-2 0 8 0 0,0 2 0 0 0,1 0 16 0 0,2 1-24 0 0,0 1 0 0 0,2 2-24 0 0,0 1 32 0 0,1 1 0 0 0,1 2 0 0 0,1 2-16 0 0,2 0 16 0 0,1 1-32 0 0,3 0 16 0 0,2 1-16 0 0,3-1 24 0 0,3 0 8 0 0,4-1-8 0 0,3 0 8 0 0,4-1-56 0 0,3 1 8 0 0,3 0 0 0 0,4-1 0 0 0,4 2 32 0 0,3-2-24 0 0,4 1 8 0 0,4-1-8 0 0,4-1 8 0 0,4 0 0 0 0,4-2-32 0 0,3-1 24 0 0,3-3-16 0 0,2 0 24 0 0,2-2 32 0 0,0-2-8 0 0,-1-1 0 0 0,-1-1 8 0 0,-2-1-8 0 0,0-1 8 0 0,-1-1 16 0 0,-1 0 0 0 0,-1-1 0 0 0,-2 0 8 0 0,-2 0 8 0 0,-4 0 8 0 0,-3 1-24 0 0,-4 0 24 0 0,-2 0 0 0 0,-5 1-40 0 0,-3 0 32 0 0,-3 0-32 0 0,-2 1 32 0 0,-4 0 8 0 0,-3 0-16 0 0,-3-1 0 0 0,-2 2-24 0 0,-2-1 48 0 0,-3 2-24 0 0,-4-1 16 0 0,-3 2-96 0 0,-4 1 72 0 0,-4 2-8 0 0,-3 0 40 0 0,-2 1-40 0 0,-1 0-8 0 0,0 2-8 0 0,1 0-8 0 0,0 2 16 0 0,0 1 32 0 0,0 1-16 0 0,1 1 16 0 0,0 1-96 0 0,3 1 64 0 0,3 0-24 0 0,2 0 32 0 0,5 0 8 0 0,4-1 0 0 0,3 1-24 0 0,5-2-8 0 0,3 0-80 0 0,3-1 64 0 0,4 0 8 0 0,3-1 8 0 0,5 1 16 0 0,5 0-24 0 0,5 0-8 0 0,4-2 0 0 0,5-1-16 0 0,5 0 32 0 0,2-2 0 0 0,1-1 8 0 0,1-1-8 0 0,-1-1-8 0 0,0-1 16 0 0,1-2-8 0 0,0 0 24 0 0,0-1 8 0 0,-1 0-16 0 0,-1 0 0 0 0,-1-1 0 0 0,-4 1 8 0 0,-4 0 32 0 0,-3 1-24 0 0,-4 1 16 0 0,-4 0-16 0 0,-4 0 32 0 0,-3 1-24 0 0,-3-1 24 0 0,-2 2-16 0 0,-2 0-24 0 0,-2 1 8 0 0,0 0-16 0 0,0 1-32 0 0,-1-1-8 0 0,0 0 8 0 0,0 0 16 0 0,0 0-16 0 0,0 0 32 0 0,-1-1-16 0 0,0 1 16 0 0,-8-1 0 0 0,-2-1 8 0 0,0 0 0 0 0,3 1-48 0 0,2 0 56 0 0,3 1-32 0 0,0 1 32 0 0,2 0-88 0 0,1 0 72 0 0,0 1-24 0 0,0 0 48 0 0,0 0-24 0 0,0 0 16 0 0,1 1 0 0 0,0 0 8 0 0,0-1-48 0 0,0 1 32 0 0,2 7 16 0 0,1 2 8 0 0,0 1-32 0 0,1 0 24 0 0,1-1-24 0 0,-1 0 32 0 0,-1-1-48 0 0,1 0 16 0 0,-2 0-8 0 0,-1-1 8 0 0,0 1-56 0 0,-1 1 80 0 0,0 0-16 0 0,-2 0 40 0 0,0 1-80 0 0,0 0 40 0 0,0 0 0 0 0,-1-1 24 0 0,-1-1-32 0 0,0 0-8 0 0,0-1-16 0 0,1-1 8 0 0,0 1 24 0 0,0 0 0 0 0,1-2 24 0 0,1-2-32 0 0,1-2 0 0 0,-1-1 16 0 0,1-1-8 0 0,0-1 0 0 0,0 0-8 0 0,1-1 24 0 0,-1 1-24 0 0,0-1 24 0 0,0 1-24 0 0,3-6-8 0 0,2-2 8 0 0,1-3 0 0 0,0-2 0 0 0,1 0 0 0 0,-1-2 0 0 0,0 0 0 0 0,-1-2 0 0 0,0-1-24 0 0,0 0 40 0 0,-1 0-16 0 0,1 0 0 0 0,-1 1 0 0 0,-1 2-24 0 0,0 1 24 0 0,0 2 0 0 0,0 1-16 0 0,-1 2 16 0 0,1 3-8 0 0,-1 1-32 0 0,-1 2 8 0 0,0 2 16 0 0,0 0 0 0 0,-1 2 24 0 0,1-1-32 0 0,3 5-16 0 0,1 3 8 0 0,0 2 56 0 0,0 4-80 0 0,-1 2 48 0 0,-1 4-64 0 0,-1 3 80 0 0,0 2 8 0 0,-1 1-8 0 0,-2 1 8 0 0,0 2-16 0 0,0 0 16 0 0,0 0-8 0 0,-1 1 24 0 0,-1 1-32 0 0,1-1 24 0 0,-1-1-16 0 0,-1-1 16 0 0,1-1-40 0 0,-1-2 16 0 0,-1-1 16 0 0,0-3 8 0 0,0-1 32 0 0,0-2-32 0 0,1-2-16 0 0,-1-2 0 0 0,0-3 24 0 0,0-2-32 0 0,1-3 32 0 0,0-2-32 0 0,2-1 24 0 0,1-2-16 0 0,0-1 24 0 0,1 0-16 0 0,0-1 32 0 0,-4-4-32 0 0,-1-3-8 0 0,0-4 0 0 0,-1-3-32 0 0,2-2 48 0 0,0-3 8 0 0,0-2 24 0 0,1-1-8 0 0,1-2-16 0 0,0-2-16 0 0,1 1 8 0 0,0 1-32 0 0,1 0 24 0 0,0 3-16 0 0,0 1 24 0 0,0 3-24 0 0,0 1 0 0 0,1 2-8 0 0,-1 2-8 0 0,1 1 16 0 0,0 2 0 0 0,1 1-16 0 0,0 1 8 0 0,1 1 8 0 0,0 2-24 0 0,0 0 24 0 0,1 1-24 0 0,0 1 24 0 0,0 0-8 0 0,0 0 16 0 0,1 1-8 0 0,1 0-8 0 0,1 2 16 0 0,-1 0-40 0 0,2 1 32 0 0,0 2-80 0 0,0 1 64 0 0,1 1 16 0 0,-1 2 8 0 0,0 1 24 0 0,0 2-24 0 0,0-1-16 0 0,0 1 8 0 0,-1-1-72 0 0,0 0 96 0 0,-1-1-32 0 0,-2 1 56 0 0,0-2-64 0 0,-1 0 32 0 0,0-2 0 0 0,0 0 16 0 0,0-2-32 0 0,-1-1 16 0 0,-1 0-8 0 0,-1-2 24 0 0,0 0 40 0 0,0 0-72 0 0,0 0 24 0 0,0-1-32 0 0,0 1 40 0 0,-5-3-32 0 0,-2-2 0 0 0,-3-1-8 0 0,-2 2-40 0 0,-1 0 24 0 0,-1 1 8 0 0,-1 1 8 0 0,-1 0 8 0 0,0 1-8 0 0,-1 0 8 0 0,0 0-16 0 0,-3 1 16 0 0,0 2 0 0 0,-1 0-24 0 0,-2 2 24 0 0,0 0 0 0 0,0 0 0 0 0,0 1 0 0 0,1-1 8 0 0,1 2-24 0 0,2-1 16 0 0,1 0-24 0 0,3 0 24 0 0,2 0 8 0 0,3-1-8 0 0,4 1-8 0 0,2 0-8 0 0,2 0 0 0 0,2-1 8 0 0,2-2-16 0 0,2 0 16 0 0,4 0-56 0 0,2-1 40 0 0,4 1 16 0 0,3 0-8 0 0,2-1 0 0 0,2-1-16 0 0,2 0 8 0 0,0-1 0 0 0,1 0 64 0 0,-1 0-40 0 0,-1-1 0 0 0,-1 0-8 0 0,-1 1-24 0 0,-2 0 40 0 0,-2 0 24 0 0,-3 1 0 0 0,-1 0-32 0 0,-3-1 48 0 0,-3 1-48 0 0,-2 0 56 0 0,-2 0-40 0 0,-1 0 40 0 0,-1-1 8 0 0,0 1 0 0 0,-4-2-24 0 0,-4-1-16 0 0,-4 1-16 0 0,-3-1 16 0 0,-4 1-24 0 0,-3 0 32 0 0,-4 0 8 0 0,-2 0 16 0 0,-2 0 24 0 0,-3 1-56 0 0,0 0 0 0 0,-1 1-24 0 0,1 1 24 0 0,2 0-24 0 0,1 2 16 0 0,2 0-16 0 0,1 1 0 0 0,2 0 8 0 0,3 2-8 0 0,2 1 0 0 0,2 0 24 0 0,2 1-64 0 0,2-1 48 0 0,3 0-56 0 0,2-1 48 0 0,2 0 0 0 0,4 0-24 0 0,2-1 16 0 0,4 0-32 0 0,3 1 8 0 0,4-1 0 0 0,2-1 0 0 0,3 0 0 0 0,2-1 0 0 0,3-1-8 0 0,1-2 16 0 0,2 0 24 0 0,1-1 0 0 0,0-2 8 0 0,3-1-8 0 0,1-1-16 0 0,1 0 24 0 0,1 0 0 0 0,-1-1 8 0 0,-2 1-16 0 0,-3 0 0 0 0,-3 2 0 0 0,-2 0 8 0 0,-4 2 24 0 0,-3-1-24 0 0,-3 1 0 0 0,-3 0 8 0 0,-2 0 56 0 0,-3 1-48 0 0,0-1 0 0 0,-4 1-16 0 0,-2 1-24 0 0,-3 2 48 0 0,-3 1-24 0 0,-1 3 40 0 0,-2 0-64 0 0,-2 1 16 0 0,-2 0 0 0 0,0-1 8 0 0,-2 0 0 0 0,-1 0-16 0 0,1-1 8 0 0,1-1-8 0 0,1 1 56 0 0,3-1-32 0 0,2 0 0 0 0,2-3-16 0 0,2 0-24 0 0,3-1 24 0 0,2-1 0 0 0,2 0 0 0 0,1 0 0 0 0,1 0-8 0 0,1 0 0 0 0,4-2-8 0 0,2-1-56 0 0,5-1 72 0 0,2 0-32 0 0,2 0 48 0 0,2-1-16 0 0,2 1 0 0 0,1-1 8 0 0,1 0-8 0 0,0 0-8 0 0,0-1 0 0 0,0 0-8 0 0,-1 0 8 0 0,0-1 0 0 0,-2 0 24 0 0,0 0-16 0 0,-1 1 16 0 0,-2 0-40 0 0,-1 1 16 0 0,-2 0 24 0 0,-2 1-8 0 0,-1-1-8 0 0,-2 2 48 0 0,-3 0-48 0 0,-1 2 48 0 0,-3 0-72 0 0,0 0 24 0 0,-1 1 8 0 0,0 0 8 0 0,-1 0 40 0 0,-2-2-48 0 0,-2-2-8 0 0,-3 1 0 0 0,-2 0-16 0 0,-1 1 8 0 0,-2 1 16 0 0,-2-1 0 0 0,-2 1 56 0 0,-3 0-72 0 0,-1 0 0 0 0,-2 1-32 0 0,-2-1 56 0 0,-4 0-16 0 0,-3 0 16 0 0,-3 0-16 0 0,-2-1-32 0 0,-2 1 0 0 0,-1 1 0 0 0,-2-1 0 0 0,-2 0 0 0 0,-3 0 0 0 0,-5 1 0 0 0,-4-1 0 0 0,-5 2 16 0 0,-3 1 16 2535 264,-3 0 8-2535-264,0 1 8 0 0,1 0-24 0 0,2 0 56 0 0,1 1-48 0 0,0 1 56 0 0,-1-1-72 0 0,0 0-8 0 0,-1 1 24 0 0,2 1-16 0 0,1-1 16 0 0,2 1 16 0 0,4-2 0 0 0,2-1 8 0 0,5-1-24 0 0,6 0 0 0 0,5-1 0 0 0,6-1-8 0 0,5 1 0 0 0,3-1 32 0 0,3-1-24 0 0,3-1 16 0 0,3 0-56 0 0,2 0 48 0 0,3 0 0 0 0,2 0 16 0 0,2-1-64 0 0,2 0 32 0 0,1 0-16 0 0,2 1 24 0 0,0 1 16 0 0,1 0-32 0 0,0 0 8 0 0,1 0-16 0 0,-1 1 24 0 0,-4-2-16 0 0,-3-1 16 0 0,-3 1-16 0 0,-1 1-24 0 0,-3 0 32 0 0,-2 3-48 0 0,-3 1 48 0 0,-2 2-8 0 0,-1 1-24 0 0,-3-1 56 0 0,-1 2-40 0 0,-3-1 0 0 0,-2 0 24 0 0,-1 1-64 0 0,0 0 56 0 0,-1-2 8 0 0,1 0-16 0 0,1-1 48 0 0,2-2-40 0 0,3-1-8 0 0,1-2 40 0 0,3-1-16 0 0,1-1 32 0 0,1-1-32 0 0,1 0 0 0 0,1-2-16 0 0,0-1 8 0 0,1-1 0 0 0,1 0 8 0 0,-1 0 8 0 0,1 0 8 0 0,-1-1-48 0 0,2 1 16 0 0,0 0-24 0 0,1 2 32 0 0,0 1 0 0 0,2 1 0 0 0,-1 0 0 0 0,0-1 0 0 0,1 2 0 0 0,-1 0 0 0 0,0 1-24 0 0,1 0 16 0 0,0 0 32 0 0,0 1-32 0 0,1 0 8 0 0,1 1-40 0 0,2-1-24 0 0,0 0 64 0 0,2 0-24 0 0,1 1 16 0 0,2-1-88 0 0,1 1-16 0 0,2 0-24 0 0,-1 0 24 0 0,2 0-24 0 0,-1 0 104 0 0,0 0-32 0 0,1 0 40 0 0,-1 0-56 0 0,0 0 64 0 0,0 0-8 0 0,0 0 24 0 0,0 0 8 0 0,0 0-8 0 0,0 0 0 0 0,0 0-8 0 0,0 0-24 0 0,0 0 0 0 0,0 0 16 0 0,0 0 0 0 0,0 1 16 0 0,0 0-24 0 0,-2 4 24 0 0,0 2-24 0 0,0 2 24 0 0,1 0 16 0 0,0-1-16 0 0,1-2 16 0 0,0-2-64 0 0,0-2 48 0 0,0 0-56 0 0,0-2 56 0 0,0 1 0 0 0,1 0-56 0 0,3 4 48 0 0,3 1-72 0 0,1 0 32 0 0,0 0-40 0 0,1-1 32 0 0,0-1-32 0 0,0 0 80 0 0,1 0-72 0 0,1-1 24 0 0,1 0-24 0 0,1 1 24 0 0,0 0 8 0 0,0 1 0 0 0,0-1 8 0 0,0 1 24 0 0,0-1 16 0 0,0 0 0 0 0,-1-1 8 0 0,-2 0-16 0 0,0 0 8 0 0,-3-1 0 0 0,-2-1 24 0 0,-2 0 8 0 0,-2 0 0 0 0,-1-1 8 0 0,0 0-8 0 0,0 0 16 0 0,-3-2 48 0 0,-1 0-24 0 0,-4-1 32 0 0,-2 1 0 0 0,-3 1-80 0 0,-2-1 56 0 0,-2 1-56 0 0,-2 1 48 0 0,-2 0-32 0 0,-1 0-24 0 0,-1 0 8 0 0,-2 2-40 0 0,1 0 32 0 0,1 0-32 0 0,0 0 32 0 0,2 1 0 0 0,2 1-24 0 0,2-1 8 0 0,1 1-24 0 0,3 0 24 0 0,2 0-8 0 0,3 0 16 0 0,3-1-16 0 0,3-1 8 0 0,0 0 8 0 0,4 1 24 0 0,2 1-8 0 0,4 0 0 0 0,1 0 0 0 0,2 0-16 0 0,3 0 16 0 0,1-1 24 0 0,2-1-16 0 0,2-1-16 0 0,0 0 0 0 0,0-1-24 0 0,1-1 0 0 0,-1 0 32 0 0,0 0-16 0 0,0-1-8 0 0,0 1 0 0 0,-2-1-8 0 0,-1 0 16 0 0,-2 0 0 0 0,-2 0 32 0 0,-1 0-32 0 0,-2 0 32 0 0,-2 0-48 0 0,-1 1 16 0 0,-1 0-8 0 0,-2 1 24 0 0,-2 0 48 0 0,0 0-64 0 0,-1 0 48 0 0,-1 0-56 0 0,1 0 8 0 0,0 0 8 0 0,-1 0 0 0 0,0 0 0 0 0,0 0 8 0 0,-5-2 0 0 0,-5 0 0 0 0,-1-1-8 0 0,-2 0-24 0 0,0 0 16 0 0,-1 1-8 0 0,0-1 24 0 0,-1 0 0 0 0,0 0-24 0 0,-1 1 8 0 0,1 0-8 0 0,0 0 16 0 0,0 1 16 0 0,0-1-24 0 0,0 0 0 0 0,0 1-40 0 0,1-1 16 0 0,0 0 16 0 0,1 1 0 0 0,2 0-8 0 0,0 1 8 0 0,2 0 8 0 0,2 0 16 0 0,3 0-40 0 0,2 0 8 0 0,2 0-32 0 0,0 1 32 0 0,3-3-40 0 0,1-1 8 0 0,2 0 0 0 0,2-1 16 0 0,2-1 0 0 0,2 1 8 0 0,1-2-8 0 0,1-1 8 0 0,2 1 16 0 0,1-1-16 0 0,-1 0 24 0 0,0 0-16 0 0,-2-1 24 0 0,-1 1 0 0 0,0 0 0 0 0,-3 0 0 0 0,0 1 8 0 0,-2-1 0 0 0,-2 0 16 0 0,-2 0 0 0 0,-2-1 24 0 0,-1 0 32 0 0,-3 1-48 0 0,-2 0 48 0 0,-1 0-40 0 0,-3-1-16 0 0,-1-1 16 0 0,-2 0-32 0 0,-1 0 8 0 0,-2 1-8 0 0,-1-1 16 0 0,0 2-16 0 0,-2 0 40 0 0,0 0-40 0 0,-1 1 0 0 0,1 1-8 0 0,1-1 0 0 0,0-1-48 0 0,2 1 40 0 0,0 0-40 0 0,1 2 56 0 0,3 0-40-2535-264,1 2 16 2535 264,4 0-24 0 0,1 1 24 0 0,2 0 24 0 0,2 1-32 0 0,0 0 32 0 0,0 1-32 0 0,0-1 8 0 0,0 0 0 0 0,0 0-8 0 0,-1 0 0 0 0,1 0-8 0 0,-1 0 8 0 0,1 0-8 0 0,-1 0 0 0 0,1 0 40 0 0,-1 0-24 0 0,1-1 40 0 0,-1 0-48 0 0,1 0-24 0 0,-3-5 24 0 0,2-2-16 0 0,1-2 0 0 0,1-1 24 0 0,2-1 0 0 0,1-1 8 0 0,2 1-8 0 0,0 0 24 0 0,0 0-32 0 0,-1 0 24 0 0,0 1-24 0 0,0 1-8 0 0,-1-1 16 0 0,0 2 0 0 0,1 0-8 0 0,0 2 0 0 0,-1 1 0 0 0,-1 2 8 0 0,-1 1 8 0 0,0 2-16 0 0,-1 1-16 0 0,0-1 0 0 0,0 0-8 0 0,0 1 40-2471-301,0-1-8 2471 301,0 1 8 0 0,1 0-8 0 0,-1 0-8 0 0,0 0-32 0 0,0 0 24 0 0,1 0-8 0 0,0 0 8 0 0,0 0 16 0 0,1 0-8 0 0,-1 0 16 0 0,1 0-32 0 0,-1 0 24 0 0,5 4-48 0 0,1 3 16 0 0,0 2 0 0 0,-1 2-16 0 0,-3 3 16 0 0,-2 1 0 0 0,-2 1 40 0 0,0 2-8 0 0,-1-1 8 0 0,-1 1-56 0 0,2 0 40 0 0,0-1 8 0 0,0 1 0 0 0,2-1 0 0 0,0-1-8 0 0,1-1-16 0 0,2-2 16 0 0,2-1-16 0 0,4-2 16 0 0,2-1-32 0 0,3-1 24 0 0,3-1 0 0 0,3 0-24 0 0,3-1 40 0 0,1 0-24 0 0,2-2 48 0 0,2-1 0 0 0,2-1-48 0 0,1-1 24 0 0,2-1-64 0 0,2 0 32 0 0,0-1 16 0 0,2-1-8 0 0,1 1 24 0 0,-1-1-16 0 0,0 0 8 0 0,-1 0-16 0 0,1 1 24 0 0,1-1-16 0 0,2 0 0 0 0,1 1 0 0 0,1-1-16 0 0,1 1 32 0 0,-1 1-16 0 0,0-1 24 0 0,0 1 24 0 0,-1 0-40 0 0,-2-1 40 0 0,-1-1-48 0 0,-2 1 16 0 0,0 0-24 0 0,-1 0 32 0 0,-2 0-24 0 0,-1 0 32 0 0,-2 1 24 0 0,-2-1-40 0 0,-2 0 40 0 0,-1-1 8 0 0,-2 0-8 0 0,-1 0 16 0 0,-2-1-8 0 0,-3 1 64 0 0,-3 1-64 0 0,-2 0 16 0 0,-4 0-32 0 0,-4 1 40 0 0,-1-1 24 0 0,-3 1-24 0 0,-1 1 8 0 0,-3-2-32 0 0,-2 0 8 0 0,-3 0 16 0 0,-3-1-8 0 0,-2-1-24 0 0,-3 1-24 0 0,-2-1 24 0 0,-1-1-24 0 0,-2 1 0 0 0,0 0 8 0 0,0-1-16 0 0,-1 1 16 0 0,2 0-32 0 0,1 0 16 0 0,1 1-16 0 0,2 0 24 0 0,2 1-16 0 0,1 2 0 0 0,1 0 0 0 0,2 0 0 0 0,0 0-56 0 0,3 0 24 0 0,3 1 8 0 0,3 0 8 0 0,4 2 16 0 0,6 0-40 0 0,4 1 16 0 0,4 0-8 0 0,4 1 24 0 0,3-2-24 0 0,4 0 8 0 0,5-1-8 0 0,4-1 40 0 0,5-1-8 0 0,4 0-8 0 0,3-1-8 0 0,1-1 32 0 0,0 1-8 0 0,-1-1-8 0 0,-1 0 0 0 0,-2-1 8 0 0,-3-1-16 0 0,-3 1 40 0 0,-4-2-32 0 0,-7 1 104 0 0,-5-1-88 0 0,-5 1 40 0 0,-3 0-48 0 0,-3 0 72 0 0,-3 1-24 0 0,-4 0 24 0 0,-3 1-24 0 0,-1 1 32 0 0,-2 0-48 0 0,-3-1 8 0 0,-4-1-24 0 0,-4 1 32 0 0,-3 1-64 0 0,-4 0 32 0 0,-3 1-32 0 0,-5 2 32 0 0,-5 1-16 0 0,-4 0 0 0 0,-4 1-8 0 0,-3 1-32 0 0,0 1 40 0 0,-1 1-8 0 0,1 1 32 0 0,1 1-8 0 0,1-2-40 0 0,3 1 16 0 0,2-2-24 0 0,4 1 48 0 0,4-2 8 0 0,5 0-16 0 0,5 0 8 0 0,6-2-80 0 0,4-2 40 0 0,4 0-48 0 0,2-1 56 0 0,2 0-24 0 0,4 1-24 0 0,6-1 32 0 0,7 1-24 0 0,6-2 40 0 0,7 0-8 0 0,5-2-32 0 0,5-1 24 0 0,3-1-24 0 0,3-2 24 0 0,2 0 40 0 0,0-1-24 0 0,-1 1-8 0 0,0 0 16 0 0,-1-1-16 0 0,-4 0 24 0 0,-1-1-8 0 0,-4 0 8 0 0,-1-1 0 0 0,-1 1 8 0 0,-3 0-16 0 0,-1 1 48 0 0,-5 0-24 0 0,-3 0 32 0 0,-5 1-40 0 0,-5-1 48 0 0,-4 0-32 0 0,-6 1 24 0 0,-4-1-56 0 0,-4 1 16 0 0,-6 0 16 0 0,-6-1-8 0 0,-6 1-40 0 0,-6 1 8 0 0,-4 2-16 0 0,-4 0 8 0 0,-3 1 16 0 0,-4 0-32 0 0,-4 1-8 0 0,-4 2 0 0 0,-4 0-16 0 0,-3 2-8 0 0,-3 2 24 0 0,-2 0-8 0 0,0 1 32 0 0,2 1 8 0 0,3 0-24 0 0,5 1 32 0 0,6 0-32 0 0,6 0-8 0 0,6 0 8 0 0,5-1 0 0 0,4-2 56 0 0,6 0-112 0 0,5-2 56 0 0,5 0-80 0 0,5 1 64 0 0,4-1 48 0 0,7-1-56 0 0,5 0 56 0 0,6 0-48 0 0,6 0 40 0 0,6-1 8 0 0,7 0 0 0 0,5-2-24 0 0,7 0-24 0 0,5-2 24 0 0,5 0-24 0 0,3-1 24 0 0,3 0 24 0 0,1-1-24 0 0,0 0 24 0 0,-2 0 0 0 0,-1-1-16 0 0,-3 2 32 0 0,-2-1-24 0 0,-1 0 8 0 0,-2 0 0 0 0,0 1-16 0 0,-2 0 0 0 0,-3 0 16 0 0,-3 0 24 0 0,-4 1 8 0 0,-6 1 0 0 0,-3 0-32 0 0,-6 1 48 0 0,-4 0-40 0 0,-3 1 40 0 0,-5 0-24 0 0,-4-1-16 0 0,-4 1 24 0 0,-3-1-16 0 0,-2 1-8 0 0,-1-1 32 0 0,-2 1-24 0 0,0 0 16 0 0,0 0-32 0 0,-4 0-16 0 0,-4-1-8 0 0,-1 0 0 0 0,-1 1-8 0 0,0 0 40 0 0,0-1-8 0 0,1 1 8 0 0,1 1-40 0 0,1-1 48 0 0,1 1-16 0 0,1 0 40 0 0,2-1-40 0 0,1 0-16 0 0,2 0 8 0 0,1 0-16 0 0,3 1 48 0 0,4-1-40 0 0,3 1 16 0 0,4 0-40 0 0,4 0 48 0 0,2-1 8 0 0,3 0-16 0 0,0 0 0 0 0,2 0-48 0 0,2 0 40 0 0,0 0 8 0 0,1 0 8 0 0,2-1-8 0 0,1-2-16 0 0,1 0 16 0 0,2-1-8 0 0,0-1 16 0 0,1 0 8 0 0,0 0 0 0 0,-2-1 0 0 0,-1 0-8 0 0,-3 0 8 0 0,-3-1 16 0 0,0-1 48 0 0,-2 0-48 0 0,-3 0-16 0 0,-5 0 16 0 0,-5 0 40 0 0,-4 1-56 0 0,-4 1 8 0 0,-3-1-24 0 0,-3 1-16 0 0,-3 0-16 0 0,-4 0 32 0 0,-2 1-16 0 0,-3 0 32 0 0,-3 2 0 0 0,-3 0-16 0 0,-2 2 8 0 0,-1 2-32 0 0,-2 1 16 0 0,0 2 0 0 0,-1 1 8 0 0,0 2 32 0 0,-1 1-8 0 0,2 0-32 0 0,0 1 8 0 0,3-1-72 0 0,1 1 72 0 0,3-1 0 0 0,3 0 8 0 0,3 0-56 0 0,3-1 40 0 0,2-1-24 0 0,3 0 24 0 0,1 0-8 0 0,2-1-16 0 0,2 0 48 0 0,1 0-24 0 0,2-1 56 0 0,2 0-72 0 0,2 1 16 0 0,3-1-32 0 0,1-1 40 0 0,3-1 8 0 0,3 0 0 0 0,4-2 0 0 0,2 0-56 0 0,3-2 40 0 0,3 0-32 0 0,0-2 40 0 0,1-1 8 0 0,1-2-24 0 0,-2 0 24 0 0,-2-1-16 0 0,-1 0 8 0 0,-3 0 40 0 0,-3 0-24 0 0,-2 0 24 0 0,-3 0 0 0 0,-4 1-24 0 0,-3 0 40 0 0,-3 0-40 0 0,-3 0 0 0 0,-3 0-8 0 0,-3 0-8 0 0,-3 1 0 0 0,-4 0 0 0 0,-3 1 24 0 0,-3 1-32 0 0,-3 0 24 0 0,-4 2-24 0 0,-3 1 32 0 0,-3 1-8 0 0,-3 2 16 0 0,-2 2-80 0 0,-2 0 80 0 0,0 3-32 0 0,0 0 32 0 0,1 1-32 0 0,3 1-8 0 0,2 0 8 0 0,3 1 0 0 0,3 1-32 0 0,1 0 64 0 0,1 1-24 0 0,1 0 32 0 0,1 1-40 0 0,2 0-40 0 0,1 0 32 0 0,2 0-24 0 0,2 0 56 0 0,4-1-16 0 0,2 1 0 0 0,3-1-8 0 0,4-1 16 0 0,2 0-40 0 0,4-2 24 0 0,3 0-40 0 0,4-1 24 0 0,2-2 0 0 0,4-1 0 0 0,2-2-8 0 0,3-1 24 0 0,0-2 0 0 0,1-1 8 0 0,-1-3 0 0 0,-1-1 32 0 0,0-3-48 0 0,-1-1 8 0 0,1-1-8 0 0,-1-1 48 0 0,-1-1-16 0 0,-2-1-24 0 0,-2 0 0 0 0,-2-1 0 0 0,-3-1 0 0 0,-4 1 24 0 0,-2 1-24 0 0,-5 0 16 0 0,-2 1-24 0 0,-4 0 32 0 0,-3 1-24 0 0,-4-1 32 0 0,-3 1-24 0 0,-3 1 0 0 0,-2 0-8 0 0,-2 0 8 0 0,0 2 0 0 0,-1 1-8 0 0,-2 1 0 0 0,-4 2-16 0 0,-2 2 8 0 0,-4 1 0 0 0,-3 3-8 0 0,-2 1-24 0 0,-3 2 40 0 0,-1 2-16 0 0,-1 1 24 0 0,0 1-32 0 0,2 0 32 0 0,1 1-32 0 0,4 1 32 0 0,4 0 0 0 0,4 0-40 0 0,3 0 48 0 0,5 0-40 0 0,3-1 32 0 0,4 0-8 0 0,5-1-8 0 0,5-1 8 0 0,2-1-24 0 0,5 0 8 0 0,4 1-8 0 0,4-1 8 0 0,5-1 16 0 0,6-1-40 0 0,7-2 40 0 0,5-2-48 0 0,6-2 24 0 0,4 0 24 0 0,4-3-32 0 0,2-1 32 0 0,1-2 0 0 0,-1-1 0 0 0,0-1 0 0 0,-2-1 0 0 0,-2 1 16 0 0,-4-1-24 0 0,-2 1 24 0 0,-5 0-24 0 0,-4 0 32 0 0,-4 0-16 0 0,-3 1-8 0 0,-3 1 0 0 0,-4-1 40 0 0,-1 2-8 0 0,-4 1 8 0 0,-1 1-16 0 0,-3 1-48 0 0,-1 1 48 0 0,-2 1-48 0 0,-2 1 40 0 0,0 0-112 0 0,-2 0 80 0 0,1 0 8 0 0,0 0 16 0 0,-1 0 0 0 0,0 0 8 0 0,0 0-48 0 0,0 1 32 0 0,-1-1-8 0 0,1 0-24 0 0,0 0 56 0 0,0 0-24 0 0,0 2 16 0 0,3 3-16 0 0,2 0-8 0 0,2 0 0 0 0,1 0-16 0 0,2 0 8 0 0,1-1-8 0 0,0 0 16 0 0,1 1 16 0 0,1-1-16 0 0,0 1 8 0 0,0 0-8 0 0,0 0 32 0 0,1 2-48 0 0,-1 0 0 0 0,1 2-8 0 0,0 0 40 0 0,-1 0-8 0 0,0 1 0 0 0,0-1-8 0 0,-1 1-32 0 0,0 0 24 0 0,-1 0 0 0 0,0 0 16 0 0,-2 2 24 0 0,0-1-48 0 0,-1 0 24 0 0,-1 2-16 0 0,-2 0 56 0 0,0 0-24 0 0,-2 1-16 0 0,-1-1 8 0 0,-1 0 0 0 0,-1 0 0 0 0,-1-1 16 0 0,-1 0-8 0 0,-1-1-16 0 0,0-1 40 0 0,-1-1-40 0 0,1-2 24 0 0,-1 0-48 0 0,0-1 16 0 0,1-1 8 0 0,0 0 0 0 0,0-1 32 0 0,1 0-32 0 0,1-1 0 0 0,0 0 0 0 0,1-2 48 0 0,1 0-48 0 0,-1 0 32 0 0,1-1-32 0 0,0 0 24 0 0,1 0-32 0 0,-1 0 8 0 0,0-1-8 0 0,0 1 32 0 0,0-1-32 0 0,0 0-16 0 0,4-6 0 0 0,2-4 24 0 0,1-3-8 0 0,1-2 8 0 0,0 0 0 0 0,1-1 24 0 0,-1 0-48 0 0,0 1 24 0 0,-1 1-24 0 0,0 2 24 0 0,-1 0 16 0 0,-1 2-24 0 0,0 0 24 0 0,-2 1-16 0 0,-1 2 24 0 0,-1 0 0 0 0,-1 1 0 0 0,0 1-24 0 0,-1 1-16 0 0,0 1 16 0 0,1 1-16 0 0,-1 2 40 0 0,1 0-32 0 0,-1 1 16 0 0,1 0-8 0 0,-1 0 8 0 0,0 0 8 0 0,0 0-32 0 0,0-1 16 0 0,-1 1-8 0 0,1 0 0 0 0,-1-1 8 0 0,1 1 0 0 0,-1 0 16 0 0,0 0-16 0 0,1 1 0 0 0,-1 0-8 0 0,1 0 0 0 0,-1 0 8 0 0,-4 7-8 0 0,-1 3 8 0 0,0 1 8 0 0,1 0-16 0 0,2-2 8 0 0,1-3-16 0 0,2-3 32 0 0,0-1 0 0 0,1-1-8 0 0,0-1 0 0 0,1 0 0 0 0,-1 0 0 0 0,0 0 40 0 0,1 1-32 0 0,-1-1-24 0 0,-1 0 40 0 0,1 0-40 0 0,-1-1 48 0 0,0 1-48 0 0,-1-1 24 0 0,1 0 16 0 0,-4-5 0 0 0,0-3-16 0 0,0-1-16 0 0,0-2 16 0 0,2-1-8 0 0,1-1 64 0 0,1-3-72 0 0,0 0 16 0 0,1-2-24 0 0,0 0 24 0 0,1-1-32 0 0,0 0 16 0 0,0 1-24 0 0,0 0 40 0 0,0 0-16 0 0,0 2 0 0 0,-1 2-8 0 0,0 1 8 0 0,-1 1-8 0 0,0 2 8 0 0,-1 0-24 0 0,-1 1 24 0 0,0 1 0 0 0,-1 2 8 0 0,-1 0-8 0 0,-1 0 40 0 0,-2 1-40 0 0,-1 1 16 0 0,-3 0-24 0 0,-1 0 8 0 0,-3 1 16 0 0,-4 0 8 0 0,-2 2 16 0 0,-4-1 0 0 0,-2 2-56 0 0,-4 0 24 0 0,-1 0-32 0 0,-1 0 48 0 0,-2 0-24 0 0,-1 0-24 0 0,-2 0 16 0 0,-2 0 16 0 0,-1 1-8 0 0,-3 0 16 0 0,-1 1-16 0 0,-2 0-16 0 0,-1 1-8 0 0,-1 1 32 0 0,-1-1-16 0 0,-1 0 0 0 0,1 1 8 0 0,2-2-16 0 0,3 1 16 0 0,2-1 16 0 0,3 0-16 0 0,2 0-8 0 0,1 0 8 0 0,2 1 32 0 0,1 1-56 0 0,2-1 24 0 0,3 0-32 0 0,2 1 40 0 0,4-2-40 0 0,5 1 16 0 0,3-1-40 0 0,5 0 16 0 0,4 0-136 0 0,4 0 0 0 0,5 0-40 0 0,4 0 56 0 0,4 1 48 0 0,7-1 24 0 0,6-1 0 0 0,7 0 0 0 0,6 0-8 0 0,6-2 32 0 0,4 0-16 0 0,3-1 80 0 0,1 0 0 0 0,3-1-24 0 0,1-1 16 0 0,2-1 24 0 0,1-1-32 0 0,-1 0 32 0 0,-3-1-24 0 0,-2 1 8 0 0,-5 0 40 0 0,-5 1 0 0 0,-4 0 16 0 0,-6 2 64 0 0,-6 0-16 0 0,-4 1 8 0 0,-6 1-8 0 0,-5 0 48 0 0,-4 1-40 0 0,-3 0 32 0 0,-2 0-32 0 0,-5-1 24 0 0,-4 1-64 0 0,-4-1 40 0 0,-5 1-48 0 0,-5 0-40 0 0,-4 1 24 0 0,-6 1-56 0 0,-3 0 32 0 0,-5 1-48 0 0,-3 1 40 0 0,-4 0-16 0 0,-2 0 24 0 0,-3 0-16 0 0,1 0-8 0 0,1-2 32 0 0,2 0-32 0 0,3 0 0 0 0,1-1-8 0 0,0 0-16 0 0,2 1 8 0 0,0-1-16 0 0,1 1 24 0 0,3 1 8 0 0,2 0 0 0 0,3 0 0 0 0,4-1 0 0 0,4 1-16 0 0,4 0 0 0 0,5 0-48 0 0,5-1 0 0 0,5-1-32 0 0,3 0 16 0 0,3 0-48 0 0,4-1 88 0 0,4 0-8 0 0,6 0 24 0 0,4 0-8 0 0,6-2-24 0 0,3 0 40 0 0,4 0-32 0 0,4-2 88 0 0,2-1-40 0 0,1 0 0 0 0,0 0-8 0 0,-1-1 8 0 0,-3 1 0 0 0,-4 0 24 0 0,-2 0-8 0 0,-4 1-16 0 0,-3 0 16 0 0,-3 0 0 0 0,-4 1 0 0 0,-1 0 8 0 0,-4 2 48 0 0,-3-1-40 0 0,-3 2 40 0 0,-3-1-32 0 0,-3 0-32 0 0,-5 1 32 0 0,-3-1-32 0 0,-4 1 16 0 0,-4 1 8 0 0,-5 0-8 0 0,-4 1 8 0 0,-5 1-8 0 0,-3 0-24 0 0,-4 1 16 0 0,-3 1-8 0 0,-2 0 0 0 0,-2 1 0 0 0,-3 0-8 0 0,-3 0 0 0 0,-2 1 0 0 0,-1-2 0 0 0,1 1 0 0 0,4-1 0 0 0,1 0 8 0 0,2-1-8 0 0,-1 1 16 0 0,0 0-16 0 0,0 0-8 0 0,0 0-16 0 0,1 0 24 0 0,1 0-8 0 0,3 0 8 0 0,3 1-24 0 0,3 0 16 0 0,5 0-8 0 0,5-1-8 0 0,5 0 16 0 0,5-2-24 0 0,6 0 24 0 0,4-1-64 0 0,5-1 40 0 0,2-1-16 0 0,2 1 32 0 0,5 0 8 0 0,4 0-24 0 0,6-2 8 0 0,7 1-8 0 0,4-2 16 0 0,7 0 32 0 0,3-2-16 0 0,3 0 16 0 0,3-2-24 0 0,2 0 24 0 0,2-1-16 0 0,-1 1 8 0 0,0-2-48 0 0,-3 1 40 0 0,-5 1 24 0 0,-5-1 0 0 0,-5 1-24 0 0,-4 0 56 0 0,-5 0-48 0 0,-3 1 64 0 0,-1 0-32 0 0,-3 1 24 0 0,-2 1 8 0 0,-3 2 8 0 0,-4 0 0 0 0,-3-2-40 0 0,-3 0-8 0 0,-6 0-8 0 0,-3 0-24 0 0,-4 1 24 0 0,-2-1-16 0 0,-1 2 16 0 0,-2 0-16 0 0,-4 0 8 0 0,-4 1-8 0 0,-6 0-8 0 0,-4 0-16 0 0,-2 2 16 0 0,-3 1 0 0 0,-1 2 0 0 0,1 0-16 0 0,0 1 16 0 0,0 0 0 0 0,1 0 0 0 0,2 0 0 0 0,2 0-8 0 0,3-1-8 0 0,3-1 8 0 0,4-1-8 0 0,4 0 0 0 0,6-1 8 0 0,5 0-8 0 0,5-1-40 0 0,4-1 8 0 0,3 0-56 0 0,2 0 32 0 0,1 0-72 0 0,2 0 88 0 0,3 1-24 0 0,3-1 40 0 0,6 0-24 0 0,4 0 16 0 0,5-1 8 0 0,5-1 0 0 0,5-1 48 0 0,2-2-8 0 0,2-1-16 0 0,1 0-8 0 0,-1-1 24 0 0,-1 1 0 0 0,-2-2 24 0 0,-2 1-24 0 0,-2 0 0 0 0,-4 0 24 0 0,-2 0 8 0 0,-4 0-8 0 0,-3 1 8 0 0,-4 1 40 0 0,-3 1 8 0 0,-4 1 8 0 0,-2 0 32 0 0,-3 0-56 0 0,-2 0-8 0 0,-3 1-16 0 0,-4-1-8 0 0,-4 0-8 0 0,-3 0 0 0 0,-3 1 0 0 0,-4-1 32 0 0,-4 0-40 0 0,-3 1 0 0 0,-3 1-8 0 0,-4-1 0 0 0,-3 2 0 0 0,-4 0 0 0 0,-2 1 0 0 0,-4 0-8 0 0,2 0-16 0 0,-1 2 16 0 0,2 0-16 0 0,2 1-8 0 0,1 0 32 0 0,1 1-8 0 0,2 2 8 0 0,4 0-56 0 0,2 1 32 0 0,3 1-16 0 0,4 0 32 0 0,2-1-32 0 0,5 0 8 0 0,4-2-40 0 0,4 0 24 0 0,5-3-184 0 0,2-1 112 0 0,5 1-16 0 0,4 1 56 0 0,5 0 56 0 0,4-1 16 0 0,5-1-24 0 0,4-1 16 0 0,6-1-64 0 0,4-1 40 0 0,5-1 8 0 0,1 0 8 0 0,2-1 16 0 0,-1-1-40 0 0,0-1 56 0 0,0-1-32 0 0,0-1 56 0 0,0 0-16 0 0,-1-1-24 0 0,-1-1 16 0 0,-4 0-8 0 0,-3 0 8 0 0,-3 1 24 0 0,-5 0-8 0 0,-4 1 24 0 0,-5 1 40 0 0,-4 1-32 0 0,-4 2 32 0 0,-3 1-80 0 0,-3-1 48 0 0,-4-1-24 0 0,-3 0 24 0 0,-5 1-72 0 0,-3-1 32 0 0,-5 2-24 0 0,-4-1 24 0 0,-5 2 16 0 0,-3 0-32 0 0,-5 0 24 0 0,-2 1-24 0 0,-1 0 0 0 0,1-1 0 0 0,2 1-8 0 0,1 1 0 0 0,1 1 0 0 0,-1 0-40 0 0,0 1 40 0 0,0 0-48 0 0,1 0 88 0 0,1 1-64 0 0,1 0 32 0 0,4 0-40 0 0,2 0 24 0 0,3 0-8 0 0,3 0-24 0 0,5-1 16 0 0,3 0-32 0 0,4-1 8 0 0,4 0-64 0 0,2-1 40 0 0,3-1-112 0 0,3 2 80 0 0,4 0 24 0 0,4 0 8 0 0,4-1 48 0 0,2 0-24 0 0,4 0-16 0 0,1-1 8 0 0,3 0 16 0 0,2-2 8 0 0,2 1 32 0 0,0-2-8 0 0,0 0 8 0 0,0 0-24 0 0,-1 0 24 0 0,-1 0-8 0 0,-3 0 32 0 0,-4 1-8 0 0,-3 0 0 0 0,-3 0 8 0 0,-2 0 48 0 0,-3 0-32 0 0,-2 1-16 0 0,-3-1 8 0 0,-2 2 48 0 0,-1-1-24 0 0,-2 0 24 0 0,-3 1-40 0 0,-3-1 16 0 0,-3 0-16 0 0,-2 1 24 0 0,-4 0-24 0 0,-4 0 80 0 0,-4 0-120 0 0,-4 0 56 0 0,-3 0-64 0 0,-3 1 64 0 0,-2 0-40 0 0,-1 1 0 0 0,-1 1-16 0 0,0 0-16 0 0,0 2-24 0 0,0 0 32 0 0,0 1-24 0 0,1 1 24 0 0,0 0 32 0 0,2-1-24 0 0,3 1 24 0 0,3-1-24 0 0,3 0-8 0 0,3-1-16 0 0,5 0 0 0 0,3-1-24 0 0,5 0 0 0 0,3 0-8 0 0,4-1-16 0 0,2 1-96 0 0,2-1 96 0 0,3 0-56 0 0,2-1 72 0 0,4 0-24 0 0,2-1 80-2404-336,4 0 0 2404 336,4 0 8 0 0,3-2-56 0 0,2 0 48 0 0,3-1 0 0 0,0-1 16 0 0,-1-1-16 0 0,-1-1 16 0 0,-2 0 0 0 0,-3 0 0 0 0,-2 0-32 0 0,-4 0 64 0 0,-3 0-48 0 0,-4 2 72 0 0,-3 1-56 0 0,-2 0 32 0 0,-2 2-24 0 0,-1 0 24 0 0,-3-2 16 0 0,-3 0-48 0 0,-2 0 40 0 0,-2 1-48 0 0,-3 0 64 0 0,-2 1-72 0 0,-3 1 0 0 0,-1 1-32 0 0,-1 0 32 0 0,-2 1 0 0 0,1 1 0 0 0,0-1-8 0 0,0 0 8 0 0,0 0 16 0 0,2-2-16 0 0,1 1 0 0 0,2-1-48 0 0,4-1 72 0 0,2 1-32 0 0,4-1 32 0 0,3 0-32 0 0,2 0-32 0 0,1 0 32 0 0,0-1-40 0 0,1 1 0 0 0,0 0 48 0 0,-1 0-8 0 0,1 0 8 0 0,-1 0-24 0 0,0 0 0 0 0,3 2 16 0 0,2 0 0 0 0,1 1 16 0 0,1 1-8 0 0,-1 1 0 0 0,1 2 0 0 0,0 0 0 0 0,-1 1 16 0 0,0 2-16 0 0,0 1 16 0 0,-1 1-40 0 0,-1 1 24 0 0,-1 0 8 0 0,0 2 0 0 0,0 0-24 0 0,-1 1 32 0 0,0 1-16 0 0,-1 1 24 0 0,0-1-24 0 0,0 1-32 0 0,1-1 32 0 0,0-1-40 0 0,0-1 48 0 0,1-2 8-2331-370,-1-2 8 2331 370,-1 0 0 0 0,0-1-24 0 0,0 0 16 0 0,-1-2-16 0 0,0 0 24 0 0,0-2 0 0 0,0-1-16 0 0,0-2 16 0 0,0-1-16 0 0,0-1-8 0 0,0-1 24 0 0,0 0-16 0 0,0 0 16 0 0,0 0-32 0 0,0-1 8 0 0,-1 1 24 0 0,0-1-8 0 0,0 0-32 0 0,0 0 32 0 0,-3-6-24 0 0,0-3 32 0 0,0-1-24 0 0,0-2 16 0 0,1 1-32 0 0,1 1 16 0 0,-1 1-56 0 0,1 3 40 0 0,1 1 16 0 0,0 2 0 0 0,1 1 24 0 0,0 2-40 0 0,1 1 24 0 0,-1 0-24 0 0,0 0 16 0 0,1 0-8 0 0,1 2 16 0 0,0 0 8 0 0,-1 3 40 0 0,1 1-80 0 0,0 2 0 0 0,0 1-24 0 0,0 1 88 0 0,-1 1-32 0 0,1-1-8 0 0,0 1 0 0 0,1 1 0 0 0,0 0-32 0 0,0 1 48 0 0,1 0-40 0 0,-1-1 24 0 0,0 1 32 0 0,0-1-56 0 0,0 0 32 0 0,-1 1-16 0 0,-1-1-8 0 0,-1 1 16 0 0,0 1-16 0 0,-2 1 32 0 0,0-1-16 0 0,-1 1 8 0 0,0 0-8 0 0,-1-1 8 0 0,0-1 0 0 0,0-1 16 0 0,0-1-24 0 0,0-2 0 0 0,0-1 0 0 0,0-1 0 0 0,-2-2 16 0 0,2-1 8 0 0,0-2-8 0 0,2-1 0 0 0,0-1-8 0 0,1-1-32 0 0,2-1 16 0 0,1-1-16 0 0,2-1 24 0 0,1-2 16 0 0,3-1-24 0 0,1-1 8 0 0,2 0-32 0 0,3-2-56 0 0,2 0 88 0 0,3-1-64 0 0,3 0 64 0 0,1 0 0 0 0,2 0-56 0 0,2 1 56 0 0,0-1-56 0 0,3 2 56 0 0,0 0-48 0 0,2 1 40 0 0,1 0-32 0 0,1 0 80 0 0,1 0-40 0 0,2 1 0 0 0,1 0-24 0 0,-1 1-24 0 0,0 0 48 0 0,-1-1-32 0 0,2 0 40 0 0,1 0-64 0 0,4 0 24 0 0,2 1 24 0 0,1 0 0 0 0,0 2 0 0 0,0 0 0 0 0,0 1 0 0 0,-2 1-8 0 0,0-1 0 0 0,-3 1 8 0 0,-1-1 0 0 0,-2 0 8 0 0,-1 1 24 0 0,-2 1 0 0 0,-2 0-24 0 0,1-1 0 0 0,1 0-56 0 0,1 0 40 0 0,0-1 16 0 0,0 0 16 0 0,0 0 8 0 0,0-1-8 0 0,0 1-16 0 0,-1-1 16 0 0,1 1 0 0 0,0 0-16 0 0,-1 1-8 0 0,0 0-8 0 0,-2-1 16 0 0,-1 1 8 0 0,0-2 24 0 0,-3 1-16 0 0,0 0-16 0 0,-2 1-32 0 0,-1 0 32 0 0,0 1-16 0 0,-1 0 48 0 0,-1 0-8 0 0,0 1-40 0 0,0 0 16 0 0,-1 0-8 0 0,-1 0 40 0 0,0 0-24 0 0,-1 1 32 0 0,0 0-64 0 0,-1 0 24 0 0,0 1 0 0 0,0 0 8 0 0,0 0-16 0 0,0 0 0 0 0,-1-1 0 0 0,1 0 0 0 0,0-1-8 0 0,0 1 8 0 0,0 0 32 0 0,1 1-16 0 0,-1 0 48 0 0,0 0-80 0 0,1 0 0 0 0,0-1-16 0 0,1 0 40 0 0,0 0 32 0 0,0 1-24 0 0,-1 1 24 0 0,-2 1-56 0 0,-1-1 0 0 0,-1 1 32 0 0,1 0-16 0 0,-1-1 8 0 0,1 0 16 0 0,2 1-32 0 0,1-1 24 0 0,2 0 16 0 0,0 1-8 0 0,2-1 0 0 0,-1 0-16 0 0,0 0-24 0 0,-1 0 32 0 0,1-1 8 0 0,-1-1 8 0 0,0 0-64 0 0,-1 1 32 0 0,-1-1 8 0 0,-1 0 0 0 0,-1 1 8 0 0,-1-1 16 0 0,-1 1-24 0 0,-1-1 8 0 0,-1 1 16 0 0,-2-1 0 0 0,0-1 0 0 0,-3 1 0 0 0,-1 0-24 0 0,-1 0 56 0 0,-3-1-24 0 0,-1 1 24 0 0,-3-1-24 0 0,0 1 32 0 0,-1-1-16 0 0,0 0 8 0 0,0 0-24 0 0,-1 0 0 2331 370,0 0 16-2331-370,0 0-16 0 0,0 0 40 0 0,-1 0-48 0 0,0 0 32 0 0,-1 0-40 0 0,-8-3 16 0 0,-3-1 40 0 0,-2-1 0 0 0,1-1 8 0 0,2-1-40 0 0,1-1 32 0 0,1-2 0 0 0,2 0 24 0 0,0-1 48 0 0,1-1-80 0 0,0 0 8 0 0,1-2-32 0 0,0-1 16 0 0,0-3-56 0 0,1-2 24 0 0,0-1-32 0 0,2-3 32 0 0,1 0-24 0 0,1-3 8 0 0,2 1-16 0 0,0 1-24 0 0,1 2 8 0 0,1 1-40 0 0,0 3 32 0 0,0 3-64 0 0,1 2-136 0 0,-1 2-56 0 0,1 2-40 0 0,0 2-256 0 0,0 2-752 0 0,0 3-281 0 0,0 1-527 0 0,1 2-4337 0 0,-1 2-1049 0 0</inkml:trace>
+</inkml:ink>
 </file>
 
 <file path=ppt/notesMasters/notesMaster1.xml><?xml version="1.0" encoding="utf-8"?>
@@ -12234,7 +12458,7 @@
         </p:nvSpPr>
         <p:spPr>
           <a:xfrm>
-            <a:off x="1559511" y="3959309"/>
+            <a:off x="1559511" y="3977065"/>
             <a:ext cx="9072978" cy="465155"/>
           </a:xfrm>
           <a:prstGeom prst="rect">
@@ -12591,7 +12815,7 @@
           <a:p>
             <a:r>
               <a:rPr lang="en-US" dirty="0"/>
-              <a:t>Parts all fit</a:t>
+              <a:t>Parts fit</a:t>
             </a:r>
           </a:p>
           <a:p>
@@ -14854,6 +15078,159 @@
           </a:p>
         </p:txBody>
       </p:sp>
+      <mc:AlternateContent xmlns:mc="http://schemas.openxmlformats.org/markup-compatibility/2006">
+        <mc:Choice xmlns:p14="http://schemas.microsoft.com/office/powerpoint/2010/main" xmlns:aink="http://schemas.microsoft.com/office/drawing/2016/ink" Requires="p14 aink">
+          <p:contentPart p14:bwMode="auto" r:id="rId3">
+            <p14:nvContentPartPr>
+              <p14:cNvPr id="3" name="Ink 2">
+                <a:extLst>
+                  <a:ext uri="{FF2B5EF4-FFF2-40B4-BE49-F238E27FC236}">
+                    <a16:creationId xmlns:a16="http://schemas.microsoft.com/office/drawing/2014/main" id="{0836E9C2-D102-39B7-BD35-5915748B729B}"/>
+                  </a:ext>
+                </a:extLst>
+              </p14:cNvPr>
+              <p14:cNvContentPartPr/>
+              <p14:nvPr/>
+            </p14:nvContentPartPr>
+            <p14:xfrm>
+              <a:off x="7732255" y="4614875"/>
+              <a:ext cx="167760" cy="36720"/>
+            </p14:xfrm>
+          </p:contentPart>
+        </mc:Choice>
+        <mc:Fallback>
+          <p:pic>
+            <p:nvPicPr>
+              <p:cNvPr id="3" name="Ink 2">
+                <a:extLst>
+                  <a:ext uri="{FF2B5EF4-FFF2-40B4-BE49-F238E27FC236}">
+                    <a16:creationId xmlns:a16="http://schemas.microsoft.com/office/drawing/2014/main" id="{0836E9C2-D102-39B7-BD35-5915748B729B}"/>
+                  </a:ext>
+                </a:extLst>
+              </p:cNvPr>
+              <p:cNvPicPr/>
+              <p:nvPr/>
+            </p:nvPicPr>
+            <p:blipFill>
+              <a:blip r:embed="rId4"/>
+              <a:stretch>
+                <a:fillRect/>
+              </a:stretch>
+            </p:blipFill>
+            <p:spPr>
+              <a:xfrm>
+                <a:off x="7669615" y="4237235"/>
+                <a:ext cx="293400" cy="792360"/>
+              </a:xfrm>
+              <a:prstGeom prst="rect">
+                <a:avLst/>
+              </a:prstGeom>
+            </p:spPr>
+          </p:pic>
+        </mc:Fallback>
+      </mc:AlternateContent>
+      <mc:AlternateContent xmlns:mc="http://schemas.openxmlformats.org/markup-compatibility/2006">
+        <mc:Choice xmlns:p14="http://schemas.microsoft.com/office/powerpoint/2010/main" xmlns:aink="http://schemas.microsoft.com/office/drawing/2016/ink" Requires="p14 aink">
+          <p:contentPart p14:bwMode="auto" r:id="rId5">
+            <p14:nvContentPartPr>
+              <p14:cNvPr id="4" name="Ink 3">
+                <a:extLst>
+                  <a:ext uri="{FF2B5EF4-FFF2-40B4-BE49-F238E27FC236}">
+                    <a16:creationId xmlns:a16="http://schemas.microsoft.com/office/drawing/2014/main" id="{A57B8651-CBC4-D286-CA9D-9C4BDA4ECA44}"/>
+                  </a:ext>
+                </a:extLst>
+              </p14:cNvPr>
+              <p14:cNvContentPartPr/>
+              <p14:nvPr/>
+            </p14:nvContentPartPr>
+            <p14:xfrm>
+              <a:off x="7886335" y="4667435"/>
+              <a:ext cx="516240" cy="114840"/>
+            </p14:xfrm>
+          </p:contentPart>
+        </mc:Choice>
+        <mc:Fallback>
+          <p:pic>
+            <p:nvPicPr>
+              <p:cNvPr id="4" name="Ink 3">
+                <a:extLst>
+                  <a:ext uri="{FF2B5EF4-FFF2-40B4-BE49-F238E27FC236}">
+                    <a16:creationId xmlns:a16="http://schemas.microsoft.com/office/drawing/2014/main" id="{A57B8651-CBC4-D286-CA9D-9C4BDA4ECA44}"/>
+                  </a:ext>
+                </a:extLst>
+              </p:cNvPr>
+              <p:cNvPicPr/>
+              <p:nvPr/>
+            </p:nvPicPr>
+            <p:blipFill>
+              <a:blip r:embed="rId6"/>
+              <a:stretch>
+                <a:fillRect/>
+              </a:stretch>
+            </p:blipFill>
+            <p:spPr>
+              <a:xfrm>
+                <a:off x="7855015" y="4636115"/>
+                <a:ext cx="578880" cy="177480"/>
+              </a:xfrm>
+              <a:prstGeom prst="rect">
+                <a:avLst/>
+              </a:prstGeom>
+            </p:spPr>
+          </p:pic>
+        </mc:Fallback>
+      </mc:AlternateContent>
+      <mc:AlternateContent xmlns:mc="http://schemas.openxmlformats.org/markup-compatibility/2006">
+        <mc:Choice xmlns:p14="http://schemas.microsoft.com/office/powerpoint/2010/main" xmlns:aink="http://schemas.microsoft.com/office/drawing/2016/ink" Requires="p14 aink">
+          <p:contentPart p14:bwMode="auto" r:id="rId7">
+            <p14:nvContentPartPr>
+              <p14:cNvPr id="6" name="Ink 5">
+                <a:extLst>
+                  <a:ext uri="{FF2B5EF4-FFF2-40B4-BE49-F238E27FC236}">
+                    <a16:creationId xmlns:a16="http://schemas.microsoft.com/office/drawing/2014/main" id="{2A0C60E7-A057-78CA-E467-ED8ED1E46684}"/>
+                  </a:ext>
+                </a:extLst>
+              </p14:cNvPr>
+              <p14:cNvContentPartPr/>
+              <p14:nvPr/>
+            </p14:nvContentPartPr>
+            <p14:xfrm>
+              <a:off x="7686175" y="4599035"/>
+              <a:ext cx="1154880" cy="271800"/>
+            </p14:xfrm>
+          </p:contentPart>
+        </mc:Choice>
+        <mc:Fallback>
+          <p:pic>
+            <p:nvPicPr>
+              <p:cNvPr id="6" name="Ink 5">
+                <a:extLst>
+                  <a:ext uri="{FF2B5EF4-FFF2-40B4-BE49-F238E27FC236}">
+                    <a16:creationId xmlns:a16="http://schemas.microsoft.com/office/drawing/2014/main" id="{2A0C60E7-A057-78CA-E467-ED8ED1E46684}"/>
+                  </a:ext>
+                </a:extLst>
+              </p:cNvPr>
+              <p:cNvPicPr/>
+              <p:nvPr/>
+            </p:nvPicPr>
+            <p:blipFill>
+              <a:blip r:embed="rId8"/>
+              <a:stretch>
+                <a:fillRect/>
+              </a:stretch>
+            </p:blipFill>
+            <p:spPr>
+              <a:xfrm>
+                <a:off x="7654855" y="4567715"/>
+                <a:ext cx="1217520" cy="334440"/>
+              </a:xfrm>
+              <a:prstGeom prst="rect">
+                <a:avLst/>
+              </a:prstGeom>
+            </p:spPr>
+          </p:pic>
+        </mc:Fallback>
+      </mc:AlternateContent>
     </p:spTree>
     <p:extLst>
       <p:ext uri="{BB962C8B-B14F-4D97-AF65-F5344CB8AC3E}">
@@ -15882,6 +16259,83 @@
           </a:p>
         </p:txBody>
       </p:sp>
+      <p:pic>
+        <p:nvPicPr>
+          <p:cNvPr id="2" name="Picture 1">
+            <a:extLst>
+              <a:ext uri="{FF2B5EF4-FFF2-40B4-BE49-F238E27FC236}">
+                <a16:creationId xmlns:a16="http://schemas.microsoft.com/office/drawing/2014/main" id="{37ED0F7A-0F65-8A1B-987C-845684DD0BD2}"/>
+              </a:ext>
+            </a:extLst>
+          </p:cNvPr>
+          <p:cNvPicPr>
+            <a:picLocks noChangeAspect="1"/>
+          </p:cNvPicPr>
+          <p:nvPr/>
+        </p:nvPicPr>
+        <p:blipFill>
+          <a:blip r:embed="rId5"/>
+          <a:stretch>
+            <a:fillRect/>
+          </a:stretch>
+        </p:blipFill>
+        <p:spPr>
+          <a:xfrm>
+            <a:off x="9987380" y="1182415"/>
+            <a:ext cx="1835082" cy="2578004"/>
+          </a:xfrm>
+          <a:prstGeom prst="rect">
+            <a:avLst/>
+          </a:prstGeom>
+        </p:spPr>
+      </p:pic>
+      <p:pic>
+        <p:nvPicPr>
+          <p:cNvPr id="3" name="Picture 2">
+            <a:extLst>
+              <a:ext uri="{FF2B5EF4-FFF2-40B4-BE49-F238E27FC236}">
+                <a16:creationId xmlns:a16="http://schemas.microsoft.com/office/drawing/2014/main" id="{C4E77035-7A19-8FA4-08E2-21879488C505}"/>
+              </a:ext>
+            </a:extLst>
+          </p:cNvPr>
+          <p:cNvPicPr>
+            <a:picLocks noChangeAspect="1" noChangeArrowheads="1"/>
+          </p:cNvPicPr>
+          <p:nvPr/>
+        </p:nvPicPr>
+        <p:blipFill>
+          <a:blip r:embed="rId6">
+            <a:extLst>
+              <a:ext uri="{28A0092B-C50C-407E-A947-70E740481C1C}">
+                <a14:useLocalDpi xmlns:a14="http://schemas.microsoft.com/office/drawing/2010/main" val="0"/>
+              </a:ext>
+            </a:extLst>
+          </a:blip>
+          <a:srcRect/>
+          <a:stretch>
+            <a:fillRect/>
+          </a:stretch>
+        </p:blipFill>
+        <p:spPr bwMode="auto">
+          <a:xfrm>
+            <a:off x="10061958" y="3846195"/>
+            <a:ext cx="1685925" cy="2038350"/>
+          </a:xfrm>
+          <a:prstGeom prst="rect">
+            <a:avLst/>
+          </a:prstGeom>
+          <a:noFill/>
+          <a:extLst>
+            <a:ext uri="{909E8E84-426E-40DD-AFC4-6F175D3DCCD1}">
+              <a14:hiddenFill xmlns:a14="http://schemas.microsoft.com/office/drawing/2010/main">
+                <a:solidFill>
+                  <a:srgbClr val="FFFFFF"/>
+                </a:solidFill>
+              </a14:hiddenFill>
+            </a:ext>
+          </a:extLst>
+        </p:spPr>
+      </p:pic>
     </p:spTree>
     <p:extLst>
       <p:ext uri="{BB962C8B-B14F-4D97-AF65-F5344CB8AC3E}">
@@ -16669,22 +17123,12 @@
 </file>
 
 <file path=customXml/item1.xml><?xml version="1.0" encoding="utf-8"?>
-<p:properties xmlns:p="http://schemas.microsoft.com/office/2006/metadata/properties" xmlns:xsi="http://www.w3.org/2001/XMLSchema-instance" xmlns:pc="http://schemas.microsoft.com/office/infopath/2007/PartnerControls">
-  <documentManagement>
-    <_ip_UnifiedCompliancePolicyUIAction xmlns="http://schemas.microsoft.com/sharepoint/v3" xsi:nil="true"/>
-    <Image xmlns="71af3243-3dd4-4a8d-8c0d-dd76da1f02a5">
-      <Url xsi:nil="true"/>
-      <Description xsi:nil="true"/>
-    </Image>
-    <Status xmlns="71af3243-3dd4-4a8d-8c0d-dd76da1f02a5">Not started</Status>
-    <_ip_UnifiedCompliancePolicyProperties xmlns="http://schemas.microsoft.com/sharepoint/v3" xsi:nil="true"/>
-    <lcf76f155ced4ddcb4097134ff3c332f xmlns="71af3243-3dd4-4a8d-8c0d-dd76da1f02a5">
-      <Terms xmlns="http://schemas.microsoft.com/office/infopath/2007/PartnerControls"/>
-    </lcf76f155ced4ddcb4097134ff3c332f>
-    <TaxCatchAll xmlns="230e9df3-be65-4c73-a93b-d1236ebd677e"/>
-    <MediaServiceKeyPoints xmlns="71af3243-3dd4-4a8d-8c0d-dd76da1f02a5" xsi:nil="true"/>
-  </documentManagement>
-</p:properties>
+<?mso-contentType ?>
+<FormTemplates xmlns="http://schemas.microsoft.com/sharepoint/v3/contenttype/forms">
+  <Display>DocumentLibraryForm</Display>
+  <Edit>DocumentLibraryForm</Edit>
+  <New>DocumentLibraryForm</New>
+</FormTemplates>
 </file>
 
 <file path=customXml/item2.xml><?xml version="1.0" encoding="utf-8"?>
@@ -16964,22 +17408,28 @@
 </file>
 
 <file path=customXml/item3.xml><?xml version="1.0" encoding="utf-8"?>
-<?mso-contentType ?>
-<FormTemplates xmlns="http://schemas.microsoft.com/sharepoint/v3/contenttype/forms">
-  <Display>DocumentLibraryForm</Display>
-  <Edit>DocumentLibraryForm</Edit>
-  <New>DocumentLibraryForm</New>
-</FormTemplates>
+<p:properties xmlns:p="http://schemas.microsoft.com/office/2006/metadata/properties" xmlns:xsi="http://www.w3.org/2001/XMLSchema-instance" xmlns:pc="http://schemas.microsoft.com/office/infopath/2007/PartnerControls">
+  <documentManagement>
+    <_ip_UnifiedCompliancePolicyUIAction xmlns="http://schemas.microsoft.com/sharepoint/v3" xsi:nil="true"/>
+    <Image xmlns="71af3243-3dd4-4a8d-8c0d-dd76da1f02a5">
+      <Url xsi:nil="true"/>
+      <Description xsi:nil="true"/>
+    </Image>
+    <Status xmlns="71af3243-3dd4-4a8d-8c0d-dd76da1f02a5">Not started</Status>
+    <_ip_UnifiedCompliancePolicyProperties xmlns="http://schemas.microsoft.com/sharepoint/v3" xsi:nil="true"/>
+    <lcf76f155ced4ddcb4097134ff3c332f xmlns="71af3243-3dd4-4a8d-8c0d-dd76da1f02a5">
+      <Terms xmlns="http://schemas.microsoft.com/office/infopath/2007/PartnerControls"/>
+    </lcf76f155ced4ddcb4097134ff3c332f>
+    <TaxCatchAll xmlns="230e9df3-be65-4c73-a93b-d1236ebd677e"/>
+    <MediaServiceKeyPoints xmlns="71af3243-3dd4-4a8d-8c0d-dd76da1f02a5" xsi:nil="true"/>
+  </documentManagement>
+</p:properties>
 </file>
 
 <file path=customXml/itemProps1.xml><?xml version="1.0" encoding="utf-8"?>
-<ds:datastoreItem xmlns:ds="http://schemas.openxmlformats.org/officeDocument/2006/customXml" ds:itemID="{9BF9B764-6365-43A2-B92A-B9C4DD6E9B23}">
+<ds:datastoreItem xmlns:ds="http://schemas.openxmlformats.org/officeDocument/2006/customXml" ds:itemID="{100F1594-3EA9-4B35-B72A-00D8B89F015B}">
   <ds:schemaRefs>
-    <ds:schemaRef ds:uri="http://schemas.microsoft.com/office/2006/metadata/properties"/>
-    <ds:schemaRef ds:uri="http://schemas.microsoft.com/office/infopath/2007/PartnerControls"/>
-    <ds:schemaRef ds:uri="http://schemas.microsoft.com/sharepoint/v3"/>
-    <ds:schemaRef ds:uri="71af3243-3dd4-4a8d-8c0d-dd76da1f02a5"/>
-    <ds:schemaRef ds:uri="230e9df3-be65-4c73-a93b-d1236ebd677e"/>
+    <ds:schemaRef ds:uri="http://schemas.microsoft.com/sharepoint/v3/contenttype/forms"/>
   </ds:schemaRefs>
 </ds:datastoreItem>
 </file>
@@ -17006,9 +17456,13 @@
 </file>
 
 <file path=customXml/itemProps3.xml><?xml version="1.0" encoding="utf-8"?>
-<ds:datastoreItem xmlns:ds="http://schemas.openxmlformats.org/officeDocument/2006/customXml" ds:itemID="{100F1594-3EA9-4B35-B72A-00D8B89F015B}">
+<ds:datastoreItem xmlns:ds="http://schemas.openxmlformats.org/officeDocument/2006/customXml" ds:itemID="{9BF9B764-6365-43A2-B92A-B9C4DD6E9B23}">
   <ds:schemaRefs>
-    <ds:schemaRef ds:uri="http://schemas.microsoft.com/sharepoint/v3/contenttype/forms"/>
+    <ds:schemaRef ds:uri="http://schemas.microsoft.com/office/2006/metadata/properties"/>
+    <ds:schemaRef ds:uri="http://schemas.microsoft.com/office/infopath/2007/PartnerControls"/>
+    <ds:schemaRef ds:uri="http://schemas.microsoft.com/sharepoint/v3"/>
+    <ds:schemaRef ds:uri="71af3243-3dd4-4a8d-8c0d-dd76da1f02a5"/>
+    <ds:schemaRef ds:uri="230e9df3-be65-4c73-a93b-d1236ebd677e"/>
   </ds:schemaRefs>
 </ds:datastoreItem>
 </file>

--- a/Progress Checks/ProjChk1.pptx
+++ b/Progress Checks/ProjChk1.pptx
@@ -143,10 +143,33 @@
   <pc:docChgLst>
     <pc:chgData name="Boyang ( Bryan ) Zhao" userId="da72a6ca-e04c-4f93-b079-3b91c46c24f0" providerId="ADAL" clId="{A07A38EE-4DE1-497A-91F8-3090DA753EA1}"/>
     <pc:docChg chg="undo custSel modSld">
-      <pc:chgData name="Boyang ( Bryan ) Zhao" userId="da72a6ca-e04c-4f93-b079-3b91c46c24f0" providerId="ADAL" clId="{A07A38EE-4DE1-497A-91F8-3090DA753EA1}" dt="2023-04-20T15:38:48.323" v="17" actId="9405"/>
+      <pc:chgData name="Boyang ( Bryan ) Zhao" userId="da72a6ca-e04c-4f93-b079-3b91c46c24f0" providerId="ADAL" clId="{A07A38EE-4DE1-497A-91F8-3090DA753EA1}" dt="2023-04-20T19:02:49.915" v="55" actId="20577"/>
       <pc:docMkLst>
         <pc:docMk/>
       </pc:docMkLst>
+      <pc:sldChg chg="modSp mod">
+        <pc:chgData name="Boyang ( Bryan ) Zhao" userId="da72a6ca-e04c-4f93-b079-3b91c46c24f0" providerId="ADAL" clId="{A07A38EE-4DE1-497A-91F8-3090DA753EA1}" dt="2023-04-20T19:02:49.915" v="55" actId="20577"/>
+        <pc:sldMkLst>
+          <pc:docMk/>
+          <pc:sldMk cId="3111549375" sldId="256"/>
+        </pc:sldMkLst>
+        <pc:spChg chg="mod">
+          <ac:chgData name="Boyang ( Bryan ) Zhao" userId="da72a6ca-e04c-4f93-b079-3b91c46c24f0" providerId="ADAL" clId="{A07A38EE-4DE1-497A-91F8-3090DA753EA1}" dt="2023-04-20T19:02:49.915" v="55" actId="20577"/>
+          <ac:spMkLst>
+            <pc:docMk/>
+            <pc:sldMk cId="3111549375" sldId="256"/>
+            <ac:spMk id="7" creationId="{0814B6A3-5F3E-4909-8ED5-87FE82492264}"/>
+          </ac:spMkLst>
+        </pc:spChg>
+        <pc:spChg chg="mod">
+          <ac:chgData name="Boyang ( Bryan ) Zhao" userId="da72a6ca-e04c-4f93-b079-3b91c46c24f0" providerId="ADAL" clId="{A07A38EE-4DE1-497A-91F8-3090DA753EA1}" dt="2023-04-20T18:48:39.521" v="39" actId="20577"/>
+          <ac:spMkLst>
+            <pc:docMk/>
+            <pc:sldMk cId="3111549375" sldId="256"/>
+            <ac:spMk id="8" creationId="{4B0552E2-3F84-4A73-A16B-C54043C663D5}"/>
+          </ac:spMkLst>
+        </pc:spChg>
+      </pc:sldChg>
       <pc:sldChg chg="addSp modSp mod">
         <pc:chgData name="Boyang ( Bryan ) Zhao" userId="da72a6ca-e04c-4f93-b079-3b91c46c24f0" providerId="ADAL" clId="{A07A38EE-4DE1-497A-91F8-3090DA753EA1}" dt="2023-04-20T15:29:55.303" v="6" actId="1076"/>
         <pc:sldMkLst>
@@ -10048,7 +10071,7 @@
               </a:lnSpc>
             </a:pPr>
             <a:r>
-              <a:rPr lang="en-US" sz="2800">
+              <a:rPr lang="en-US" sz="2800" dirty="0">
                 <a:solidFill>
                   <a:schemeClr val="tx1">
                     <a:lumMod val="75000"/>
@@ -10056,7 +10079,29 @@
                   </a:schemeClr>
                 </a:solidFill>
               </a:rPr>
-              <a:t>Project Boyang’s Fish</a:t>
+              <a:t>Project </a:t>
+            </a:r>
+            <a:r>
+              <a:rPr lang="en-US" sz="2800" dirty="0" err="1">
+                <a:solidFill>
+                  <a:schemeClr val="tx1">
+                    <a:lumMod val="75000"/>
+                    <a:lumOff val="25000"/>
+                  </a:schemeClr>
+                </a:solidFill>
+              </a:rPr>
+              <a:t>Boyang’s</a:t>
+            </a:r>
+            <a:r>
+              <a:rPr lang="en-US" sz="2800" dirty="0">
+                <a:solidFill>
+                  <a:schemeClr val="tx1">
+                    <a:lumMod val="75000"/>
+                    <a:lumOff val="25000"/>
+                  </a:schemeClr>
+                </a:solidFill>
+              </a:rPr>
+              <a:t> Fish</a:t>
             </a:r>
           </a:p>
         </p:txBody>
@@ -10198,7 +10243,7 @@
             </a:pPr>
             <a:r>
               <a:rPr lang="en-US" sz="1300" dirty="0"/>
-              <a:t>Andy Meng – Graphic Designer</a:t>
+              <a:t>Andy Meng – Graphic Designer &amp; Financial Manager</a:t>
             </a:r>
           </a:p>
           <a:p>
@@ -15078,8 +15123,8 @@
           </a:p>
         </p:txBody>
       </p:sp>
-      <mc:AlternateContent xmlns:mc="http://schemas.openxmlformats.org/markup-compatibility/2006">
-        <mc:Choice xmlns:p14="http://schemas.microsoft.com/office/powerpoint/2010/main" xmlns:aink="http://schemas.microsoft.com/office/drawing/2016/ink" Requires="p14 aink">
+      <mc:AlternateContent xmlns:mc="http://schemas.openxmlformats.org/markup-compatibility/2006" xmlns:p14="http://schemas.microsoft.com/office/powerpoint/2010/main" xmlns:aink="http://schemas.microsoft.com/office/drawing/2016/ink">
+        <mc:Choice Requires="p14 aink">
           <p:contentPart p14:bwMode="auto" r:id="rId3">
             <p14:nvContentPartPr>
               <p14:cNvPr id="3" name="Ink 2">
@@ -15098,7 +15143,7 @@
             </p14:xfrm>
           </p:contentPart>
         </mc:Choice>
-        <mc:Fallback>
+        <mc:Fallback xmlns="">
           <p:pic>
             <p:nvPicPr>
               <p:cNvPr id="3" name="Ink 2">
@@ -15129,8 +15174,8 @@
           </p:pic>
         </mc:Fallback>
       </mc:AlternateContent>
-      <mc:AlternateContent xmlns:mc="http://schemas.openxmlformats.org/markup-compatibility/2006">
-        <mc:Choice xmlns:p14="http://schemas.microsoft.com/office/powerpoint/2010/main" xmlns:aink="http://schemas.microsoft.com/office/drawing/2016/ink" Requires="p14 aink">
+      <mc:AlternateContent xmlns:mc="http://schemas.openxmlformats.org/markup-compatibility/2006" xmlns:p14="http://schemas.microsoft.com/office/powerpoint/2010/main" xmlns:aink="http://schemas.microsoft.com/office/drawing/2016/ink">
+        <mc:Choice Requires="p14 aink">
           <p:contentPart p14:bwMode="auto" r:id="rId5">
             <p14:nvContentPartPr>
               <p14:cNvPr id="4" name="Ink 3">
@@ -15149,7 +15194,7 @@
             </p14:xfrm>
           </p:contentPart>
         </mc:Choice>
-        <mc:Fallback>
+        <mc:Fallback xmlns="">
           <p:pic>
             <p:nvPicPr>
               <p:cNvPr id="4" name="Ink 3">
@@ -15180,8 +15225,8 @@
           </p:pic>
         </mc:Fallback>
       </mc:AlternateContent>
-      <mc:AlternateContent xmlns:mc="http://schemas.openxmlformats.org/markup-compatibility/2006">
-        <mc:Choice xmlns:p14="http://schemas.microsoft.com/office/powerpoint/2010/main" xmlns:aink="http://schemas.microsoft.com/office/drawing/2016/ink" Requires="p14 aink">
+      <mc:AlternateContent xmlns:mc="http://schemas.openxmlformats.org/markup-compatibility/2006" xmlns:p14="http://schemas.microsoft.com/office/powerpoint/2010/main" xmlns:aink="http://schemas.microsoft.com/office/drawing/2016/ink">
+        <mc:Choice Requires="p14 aink">
           <p:contentPart p14:bwMode="auto" r:id="rId7">
             <p14:nvContentPartPr>
               <p14:cNvPr id="6" name="Ink 5">
@@ -15200,7 +15245,7 @@
             </p14:xfrm>
           </p:contentPart>
         </mc:Choice>
-        <mc:Fallback>
+        <mc:Fallback xmlns="">
           <p:pic>
             <p:nvPicPr>
               <p:cNvPr id="6" name="Ink 5">
@@ -17123,12 +17168,22 @@
 </file>
 
 <file path=customXml/item1.xml><?xml version="1.0" encoding="utf-8"?>
-<?mso-contentType ?>
-<FormTemplates xmlns="http://schemas.microsoft.com/sharepoint/v3/contenttype/forms">
-  <Display>DocumentLibraryForm</Display>
-  <Edit>DocumentLibraryForm</Edit>
-  <New>DocumentLibraryForm</New>
-</FormTemplates>
+<p:properties xmlns:p="http://schemas.microsoft.com/office/2006/metadata/properties" xmlns:xsi="http://www.w3.org/2001/XMLSchema-instance" xmlns:pc="http://schemas.microsoft.com/office/infopath/2007/PartnerControls">
+  <documentManagement>
+    <_ip_UnifiedCompliancePolicyUIAction xmlns="http://schemas.microsoft.com/sharepoint/v3" xsi:nil="true"/>
+    <Image xmlns="71af3243-3dd4-4a8d-8c0d-dd76da1f02a5">
+      <Url xsi:nil="true"/>
+      <Description xsi:nil="true"/>
+    </Image>
+    <Status xmlns="71af3243-3dd4-4a8d-8c0d-dd76da1f02a5">Not started</Status>
+    <_ip_UnifiedCompliancePolicyProperties xmlns="http://schemas.microsoft.com/sharepoint/v3" xsi:nil="true"/>
+    <lcf76f155ced4ddcb4097134ff3c332f xmlns="71af3243-3dd4-4a8d-8c0d-dd76da1f02a5">
+      <Terms xmlns="http://schemas.microsoft.com/office/infopath/2007/PartnerControls"/>
+    </lcf76f155ced4ddcb4097134ff3c332f>
+    <TaxCatchAll xmlns="230e9df3-be65-4c73-a93b-d1236ebd677e"/>
+    <MediaServiceKeyPoints xmlns="71af3243-3dd4-4a8d-8c0d-dd76da1f02a5" xsi:nil="true"/>
+  </documentManagement>
+</p:properties>
 </file>
 
 <file path=customXml/item2.xml><?xml version="1.0" encoding="utf-8"?>
@@ -17408,28 +17463,22 @@
 </file>
 
 <file path=customXml/item3.xml><?xml version="1.0" encoding="utf-8"?>
-<p:properties xmlns:p="http://schemas.microsoft.com/office/2006/metadata/properties" xmlns:xsi="http://www.w3.org/2001/XMLSchema-instance" xmlns:pc="http://schemas.microsoft.com/office/infopath/2007/PartnerControls">
-  <documentManagement>
-    <_ip_UnifiedCompliancePolicyUIAction xmlns="http://schemas.microsoft.com/sharepoint/v3" xsi:nil="true"/>
-    <Image xmlns="71af3243-3dd4-4a8d-8c0d-dd76da1f02a5">
-      <Url xsi:nil="true"/>
-      <Description xsi:nil="true"/>
-    </Image>
-    <Status xmlns="71af3243-3dd4-4a8d-8c0d-dd76da1f02a5">Not started</Status>
-    <_ip_UnifiedCompliancePolicyProperties xmlns="http://schemas.microsoft.com/sharepoint/v3" xsi:nil="true"/>
-    <lcf76f155ced4ddcb4097134ff3c332f xmlns="71af3243-3dd4-4a8d-8c0d-dd76da1f02a5">
-      <Terms xmlns="http://schemas.microsoft.com/office/infopath/2007/PartnerControls"/>
-    </lcf76f155ced4ddcb4097134ff3c332f>
-    <TaxCatchAll xmlns="230e9df3-be65-4c73-a93b-d1236ebd677e"/>
-    <MediaServiceKeyPoints xmlns="71af3243-3dd4-4a8d-8c0d-dd76da1f02a5" xsi:nil="true"/>
-  </documentManagement>
-</p:properties>
+<?mso-contentType ?>
+<FormTemplates xmlns="http://schemas.microsoft.com/sharepoint/v3/contenttype/forms">
+  <Display>DocumentLibraryForm</Display>
+  <Edit>DocumentLibraryForm</Edit>
+  <New>DocumentLibraryForm</New>
+</FormTemplates>
 </file>
 
 <file path=customXml/itemProps1.xml><?xml version="1.0" encoding="utf-8"?>
-<ds:datastoreItem xmlns:ds="http://schemas.openxmlformats.org/officeDocument/2006/customXml" ds:itemID="{100F1594-3EA9-4B35-B72A-00D8B89F015B}">
+<ds:datastoreItem xmlns:ds="http://schemas.openxmlformats.org/officeDocument/2006/customXml" ds:itemID="{9BF9B764-6365-43A2-B92A-B9C4DD6E9B23}">
   <ds:schemaRefs>
-    <ds:schemaRef ds:uri="http://schemas.microsoft.com/sharepoint/v3/contenttype/forms"/>
+    <ds:schemaRef ds:uri="http://schemas.microsoft.com/office/2006/metadata/properties"/>
+    <ds:schemaRef ds:uri="http://schemas.microsoft.com/office/infopath/2007/PartnerControls"/>
+    <ds:schemaRef ds:uri="http://schemas.microsoft.com/sharepoint/v3"/>
+    <ds:schemaRef ds:uri="71af3243-3dd4-4a8d-8c0d-dd76da1f02a5"/>
+    <ds:schemaRef ds:uri="230e9df3-be65-4c73-a93b-d1236ebd677e"/>
   </ds:schemaRefs>
 </ds:datastoreItem>
 </file>
@@ -17456,13 +17505,9 @@
 </file>
 
 <file path=customXml/itemProps3.xml><?xml version="1.0" encoding="utf-8"?>
-<ds:datastoreItem xmlns:ds="http://schemas.openxmlformats.org/officeDocument/2006/customXml" ds:itemID="{9BF9B764-6365-43A2-B92A-B9C4DD6E9B23}">
+<ds:datastoreItem xmlns:ds="http://schemas.openxmlformats.org/officeDocument/2006/customXml" ds:itemID="{100F1594-3EA9-4B35-B72A-00D8B89F015B}">
   <ds:schemaRefs>
-    <ds:schemaRef ds:uri="http://schemas.microsoft.com/office/2006/metadata/properties"/>
-    <ds:schemaRef ds:uri="http://schemas.microsoft.com/office/infopath/2007/PartnerControls"/>
-    <ds:schemaRef ds:uri="http://schemas.microsoft.com/sharepoint/v3"/>
-    <ds:schemaRef ds:uri="71af3243-3dd4-4a8d-8c0d-dd76da1f02a5"/>
-    <ds:schemaRef ds:uri="230e9df3-be65-4c73-a93b-d1236ebd677e"/>
+    <ds:schemaRef ds:uri="http://schemas.microsoft.com/sharepoint/v3/contenttype/forms"/>
   </ds:schemaRefs>
 </ds:datastoreItem>
 </file>
